--- a/topic10/talk-1/mongoDB-2020.pptx
+++ b/topic10/talk-1/mongoDB-2020.pptx
@@ -5,7 +5,7 @@
     <p:sldMasterId id="2147483648" r:id="rId1"/>
   </p:sldMasterIdLst>
   <p:notesMasterIdLst>
-    <p:notesMasterId r:id="rId46"/>
+    <p:notesMasterId r:id="rId45"/>
   </p:notesMasterIdLst>
   <p:sldIdLst>
     <p:sldId id="256" r:id="rId2"/>
@@ -39,19 +39,18 @@
     <p:sldId id="302" r:id="rId30"/>
     <p:sldId id="330" r:id="rId31"/>
     <p:sldId id="304" r:id="rId32"/>
-    <p:sldId id="305" r:id="rId33"/>
-    <p:sldId id="331" r:id="rId34"/>
-    <p:sldId id="315" r:id="rId35"/>
-    <p:sldId id="318" r:id="rId36"/>
-    <p:sldId id="325" r:id="rId37"/>
-    <p:sldId id="317" r:id="rId38"/>
-    <p:sldId id="319" r:id="rId39"/>
-    <p:sldId id="320" r:id="rId40"/>
-    <p:sldId id="321" r:id="rId41"/>
-    <p:sldId id="323" r:id="rId42"/>
-    <p:sldId id="324" r:id="rId43"/>
-    <p:sldId id="322" r:id="rId44"/>
-    <p:sldId id="308" r:id="rId45"/>
+    <p:sldId id="331" r:id="rId33"/>
+    <p:sldId id="315" r:id="rId34"/>
+    <p:sldId id="318" r:id="rId35"/>
+    <p:sldId id="325" r:id="rId36"/>
+    <p:sldId id="317" r:id="rId37"/>
+    <p:sldId id="319" r:id="rId38"/>
+    <p:sldId id="320" r:id="rId39"/>
+    <p:sldId id="321" r:id="rId40"/>
+    <p:sldId id="323" r:id="rId41"/>
+    <p:sldId id="324" r:id="rId42"/>
+    <p:sldId id="322" r:id="rId43"/>
+    <p:sldId id="308" r:id="rId44"/>
   </p:sldIdLst>
   <p:sldSz cx="12192000" cy="6858000"/>
   <p:notesSz cx="6858000" cy="9144000"/>
@@ -195,6 +194,70 @@
 </p:cmLst>
 </file>
 
+<file path=ppt/ink/ink1.xml><?xml version="1.0" encoding="utf-8"?>
+<inkml:ink xmlns:inkml="http://www.w3.org/2003/InkML">
+  <inkml:definitions>
+    <inkml:context xml:id="ctx0">
+      <inkml:inkSource xml:id="inkSrc0">
+        <inkml:traceFormat>
+          <inkml:channel name="X" type="integer" min="-2.14748E9" max="2.14748E9" units="cm"/>
+          <inkml:channel name="Y" type="integer" min="-2.14748E9" max="2.14748E9" units="cm"/>
+          <inkml:channel name="F" type="integer" max="32767" units="dev"/>
+          <inkml:channel name="OA" type="integer" max="360" units="deg"/>
+          <inkml:channel name="OE" type="integer" max="90" units="deg"/>
+        </inkml:traceFormat>
+        <inkml:channelProperties>
+          <inkml:channelProperty channel="X" name="resolution" value="1000" units="1/cm"/>
+          <inkml:channelProperty channel="Y" name="resolution" value="1000" units="1/cm"/>
+          <inkml:channelProperty channel="F" name="resolution" value="0" units="1/dev"/>
+          <inkml:channelProperty channel="OA" name="resolution" value="1000" units="1/deg"/>
+          <inkml:channelProperty channel="OE" name="resolution" value="1000" units="1/deg"/>
+        </inkml:channelProperties>
+      </inkml:inkSource>
+      <inkml:timestamp xml:id="ts0" timeString="2020-03-24T07:57:14.184"/>
+    </inkml:context>
+    <inkml:brush xml:id="br0">
+      <inkml:brushProperty name="width" value="0.05" units="cm"/>
+      <inkml:brushProperty name="height" value="0.05" units="cm"/>
+      <inkml:brushProperty name="color" value="#E71224"/>
+    </inkml:brush>
+  </inkml:definitions>
+  <inkml:trace contextRef="#ctx0" brushRef="#br0">6826 1474 4232 0 0,'0'0'191'0'0,"0"0"74"0"0,0 0 207 0 0,0 0 82 0 0,-33 0 2746 0 0,30 1-3159 0 0,0-1 0 0 0,-1 1 0 0 0,1 0-1 0 0,0 0 1 0 0,0 0 0 0 0,0 0 0 0 0,0 1 0 0 0,0-1-1 0 0,0 1 1 0 0,0 0-141 0 0,-1 0 100 0 0,1 0 0 0 0,0 0 0 0 0,0-1 0 0 0,-1 1 0 0 0,1-1 0 0 0,-1 0 0 0 0,1 0 0 0 0,-1 0 0 0 0,1 0 0 0 0,-4-1-100 0 0,-4 1 327 0 0,0 0 1 0 0,0 1-1 0 0,1 0 0 0 0,-11 3-327 0 0,11-2 167 0 0,-1-1 1 0 0,1 0-1 0 0,-1 0 1 0 0,-9-1-168 0 0,-11 0 327 0 0,18 0-294 0 0,0-1 0 0 0,0 0 1 0 0,0-1-1 0 0,0-1 0 0 0,-4-1-33 0 0,-90-20 673 0 0,-92-23 432 0 0,93 21-248 0 0,-20 1-857 0 0,30 6 377 0 0,-59-19-377 0 0,-14-8 107 0 0,66 19-57 0 0,-19-10-50 0 0,-48-21 4 0 0,-116-42 174 0 0,-64-21 14 0 0,77 4 76 0 0,4 1-284 0 0,165 72-85 0 0,48 18 103 0 0,-1 3-1 0 0,-36-8-1 0 0,-228-74 0 0 0,231 77 306 0 0,48 14 241 0 0,0 1 0 0 0,-11 0-547 0 0,-445-61-776 0 0,346 53 1657 0 0,-153-13-450 0 0,205 23-2051 0 0,-43-13 1620 0 0,-76-8-316 0 0,161 26 1537 0 0,18 0-1457 0 0,0 2 0 0 0,-1 1 0 0 0,1 2 0 0 0,0 2-1 0 0,-31 6 237 0 0,48-4-46 0 0,1-2-1 0 0,-1-1 0 0 0,-19-1 47 0 0,22-1 3 0 0,0 2-1 0 0,0 0 1 0 0,0 1-1 0 0,0 1 0 0 0,-6 2-2 0 0,-35 1 165 0 0,52-6-131 0 0,1 0 0 0 0,0 0 0 0 0,-1 1 0 0 0,1 0 1 0 0,0 1-1 0 0,0 0 0 0 0,-1 0 0 0 0,2 1 0 0 0,-2 0-34 0 0,2 0 0 0 0,-1-1 0 0 0,0 0 0 0 0,1 0 0 0 0,-1-1 0 0 0,0 1 0 0 0,0-2 0 0 0,0 1 0 0 0,-49 8 0 0 0,51-7-34 0 0,1-1-1 0 0,-1 0 0 0 0,0 0 0 0 0,0-1 0 0 0,0 1 0 0 0,0-1 0 0 0,0-1 0 0 0,0 1 0 0 0,0-1 0 0 0,0 0 0 0 0,-4-1 35 0 0,6 2-106 0 0,-5 2 84 0 0,-1-1 22 0 0,-14-3 0 0 0,-9 5 0 0 0,20 1 14 0 0,-1-2 728 0 0,-17-3 456 0 0,-50 4-3120 0 0,23 6 1922 0 0,55-10 0 0 0,0 1 0 0 0,0-1 0 0 0,0 1 0 0 0,0 0 0 0 0,0 0 0 0 0,-1 0 0 0 0,1 0 0 0 0,0 1 0 0 0,0-1 0 0 0,-1 1 0 0 0,-12-1 0 0 0,-25 8 422 0 0,41-7-474 0 0,-18-4-318 0 0,3 6 592 0 0,0-1 0 0 0,1 0 0 0 0,-1-1 0 0 0,0 0 0 0 0,0-1 0 0 0,-4-2-222 0 0,-7 2-414 0 0,3-3 793 0 0,19 2-505 0 0,1 0-1 0 0,-1 0 1 0 0,0 1-1 0 0,0 0 1 0 0,0-1-1 0 0,0 2 1 0 0,0-1-1 0 0,0 0 1 0 0,0 1-1 0 0,-1 0 127 0 0,3 1 0 0 0,-3-2 0 0 0,-19 0 0 0 0,5-5-5 0 0,-2-5 74 0 0,3 9 537 0 0,10 1-1312 0 0,16-13 742 0 0,12-6-7 0 0,0 0-1 0 0,1 1 1 0 0,9-5-29 0 0,5-4-6 0 0,42-22 6 0 0,-26 14 245 0 0,-41 30-12 0 0,-1 0 0 0 0,0-1-1 0 0,-1 0 1 0 0,1-1 0 0 0,-1 0 0 0 0,0 0 0 0 0,-1-1-233 0 0,0 2-111 0 0,0-1 1 0 0,1 2-1 0 0,0-1 0 0 0,0 1 0 0 0,0 0 0 0 0,1 0 1 0 0,-1 1-1 0 0,1 1 0 0 0,0-1 0 0 0,0 1 0 0 0,3 0 111 0 0,-11 3-16 0 0,0 0-1 0 0,0 0 1 0 0,0 0-1 0 0,0 0 1 0 0,0 0-1 0 0,0 0 1 0 0,-1 0-1 0 0,1-1 0 0 0,0 1 1 0 0,0 0-1 0 0,0 0 1 0 0,0-1-1 0 0,-1 1 1 0 0,1-1-1 0 0,0 1 0 0 0,0-1 1 0 0,-1 1-1 0 0,1-1 1 0 0,0 1-1 0 0,-1-1 1 0 0,1 1-1 0 0,0-1 1 0 0,-1 0-1 0 0,1 0 0 0 0,-1 0 17 0 0,1-1-4 0 0,1 1 84 0 0,0 0-47 0 0,-1 1 0 0 0,0 0 0 0 0,0 0 0 0 0,0 0 0 0 0,0 0 0 0 0,0 0 0 0 0,0 0 0 0 0,1 0 0 0 0,-1 0 0 0 0,0 1 0 0 0,0-1 0 0 0,0 0-1 0 0,0 1 1 0 0,0-1 0 0 0,1 1-33 0 0,-6 6-111 0 0,-1 0-1 0 0,0 0 0 0 0,0-1 0 0 0,-1 1 0 0 0,0-1 1 0 0,0 0-1 0 0,0-1 0 0 0,-4 3 112 0 0,-12 12-256 0 0,-65 66-102 0 0,-14 6 358 0 0,49-40-64 0 0,-55 30 64 0 0,2-8-53 0 0,105-74 53 0 0,-2 1-3 0 0,0 1 0 0 0,-1-1 0 0 0,1 1 0 0 0,0 0 0 0 0,0-1 0 0 0,0 1 0 0 0,1 0 1 0 0,-1 1-1 0 0,0-1 0 0 0,1 0 0 0 0,0 0 0 0 0,-1 1 0 0 0,1-1 0 0 0,0 0 0 0 0,0 1 0 0 0,0-1 1 0 0,0 1-1 0 0,1 0 0 0 0,-1-1 0 0 0,1 1 0 0 0,-1 0 0 0 0,1 0 3 0 0,0 1-3 0 0,0-1 0 0 0,0 1 0 0 0,1 0 0 0 0,-1-1 0 0 0,1 1 0 0 0,0-1 0 0 0,-1 1 0 0 0,2-1 0 0 0,-1 0 0 0 0,0 1 0 0 0,1-1 0 0 0,-1 0 0 0 0,1 0 0 0 0,0 0 0 0 0,0 0 0 0 0,0 0 0 0 0,1-1 0 0 0,-1 1 0 0 0,1 0 0 0 0,-1-1 0 0 0,1 0 0 0 0,0 0 0 0 0,0 0 0 0 0,0 0 0 0 0,0 0 0 0 0,2 0 3 0 0,6 6 5 0 0,1-2-1 0 0,0 0 1 0 0,0 0 0 0 0,1-1 0 0 0,-1 0 0 0 0,8 0-5 0 0,23 2 208 0 0,0-1 0 0 0,0-3 1 0 0,0-2-1 0 0,27-2-208 0 0,-2 0 209 0 0,20 4-209 0 0,120 15-53 0 0,-187-14-6177 0 0</inkml:trace>
+</inkml:ink>
+</file>
+
+<file path=ppt/ink/ink2.xml><?xml version="1.0" encoding="utf-8"?>
+<inkml:ink xmlns:inkml="http://www.w3.org/2003/InkML">
+  <inkml:definitions>
+    <inkml:context xml:id="ctx0">
+      <inkml:inkSource xml:id="inkSrc0">
+        <inkml:traceFormat>
+          <inkml:channel name="X" type="integer" min="-2.14748E9" max="2.14748E9" units="cm"/>
+          <inkml:channel name="Y" type="integer" min="-2.14748E9" max="2.14748E9" units="cm"/>
+          <inkml:channel name="F" type="integer" max="32767" units="dev"/>
+          <inkml:channel name="OA" type="integer" max="360" units="deg"/>
+          <inkml:channel name="OE" type="integer" max="90" units="deg"/>
+        </inkml:traceFormat>
+        <inkml:channelProperties>
+          <inkml:channelProperty channel="X" name="resolution" value="1000" units="1/cm"/>
+          <inkml:channelProperty channel="Y" name="resolution" value="1000" units="1/cm"/>
+          <inkml:channelProperty channel="F" name="resolution" value="0" units="1/dev"/>
+          <inkml:channelProperty channel="OA" name="resolution" value="1000" units="1/deg"/>
+          <inkml:channelProperty channel="OE" name="resolution" value="1000" units="1/deg"/>
+        </inkml:channelProperties>
+      </inkml:inkSource>
+      <inkml:timestamp xml:id="ts0" timeString="2020-03-24T07:57:17.020"/>
+    </inkml:context>
+    <inkml:brush xml:id="br0">
+      <inkml:brushProperty name="width" value="0.05" units="cm"/>
+      <inkml:brushProperty name="height" value="0.05" units="cm"/>
+      <inkml:brushProperty name="color" value="#E71224"/>
+    </inkml:brush>
+  </inkml:definitions>
+  <inkml:trace contextRef="#ctx0" brushRef="#br0">270 270 3624 0 0,'-37'-15'165'0'0,"35"14"-153"0"0,1 1 0 0 0,-1-1 1 0 0,1 0-1 0 0,-1 0 0 0 0,1 0 0 0 0,-1 0 0 0 0,1 0 0 0 0,-1 0 0 0 0,1 0 1 0 0,0-1-1 0 0,0 1 0 0 0,0 0 0 0 0,0-1 0 0 0,0 1 0 0 0,0-1 0 0 0,-1 0-12 0 0,2 0 3 0 0,-1 1 0 0 0,0 0-1 0 0,1 0 1 0 0,-1-1-1 0 0,0 1 1 0 0,0 0-1 0 0,0 0 1 0 0,0 0-1 0 0,0 0 1 0 0,0 0-1 0 0,0 0 1 0 0,0 1-1 0 0,-1-1 1 0 0,1 0-1 0 0,0 1 1 0 0,0-1 0 0 0,-2 0-3 0 0,-53-22 1523 0 0,56 23-1515 0 0,0 0-1 0 0,-1 0 0 0 0,1 1 0 0 0,0-1 0 0 0,0 0 1 0 0,0 0-1 0 0,-1 0 0 0 0,1 0 0 0 0,0 0 0 0 0,0 0 0 0 0,-1 0 1 0 0,1 0-1 0 0,0 0 0 0 0,0 0 0 0 0,0 0 0 0 0,-1 0 0 0 0,1 0 1 0 0,0 0-1 0 0,0 0 0 0 0,0 0 0 0 0,-1-1 0 0 0,1 1 0 0 0,0 0 1 0 0,0 0-1 0 0,0 0 0 0 0,-1 0 0 0 0,1 0 0 0 0,0 0 1 0 0,0-1-1 0 0,0 1 0 0 0,0 0 0 0 0,-1 0 0 0 0,1 0 0 0 0,0 0 1 0 0,0-1-1 0 0,0 1 0 0 0,0 0 0 0 0,0 0 0 0 0,0 0 0 0 0,0-1 1 0 0,0 1-1 0 0,-1 0 0 0 0,1 0 0 0 0,0 0 0 0 0,0-1 0 0 0,0 1 1 0 0,0 0-1 0 0,0 0 0 0 0,0-1 0 0 0,0 1 0 0 0,0 0 1 0 0,0 0-1 0 0,1-1-7 0 0,-1 1 9 0 0,0 0 0 0 0,0 0 1 0 0,0 0-1 0 0,0 0 0 0 0,0-1 1 0 0,0 1-1 0 0,0 0 0 0 0,0 0 0 0 0,0 0 1 0 0,0-1-1 0 0,0 1 0 0 0,0 0 1 0 0,0 0-1 0 0,0 0 0 0 0,0 0 1 0 0,-1-1-1 0 0,1 1 0 0 0,0 0 0 0 0,0 0 1 0 0,0 0-1 0 0,0 0 0 0 0,0-1 1 0 0,0 1-1 0 0,0 0 0 0 0,0 0 1 0 0,-1 0-1 0 0,1 0 0 0 0,0 0 1 0 0,0 0-1 0 0,0-1 0 0 0,0 1 0 0 0,0 0 1 0 0,-1 0-1 0 0,1 0 0 0 0,0 0 1 0 0,0 0-1 0 0,0 0 0 0 0,0 0 1 0 0,-1 0-1 0 0,1 0 0 0 0,0 0 0 0 0,0 0 1 0 0,0 0-1 0 0,-1 0 0 0 0,1 0 1 0 0,0 0-1 0 0,0 0 0 0 0,0 0 1 0 0,0 0-1 0 0,-1 0 0 0 0,1 0 1 0 0,0 0-1 0 0,0 0 0 0 0,0 0-9 0 0,-6 0 141 0 0,5 0-98 0 0,0 0-1 0 0,0 0 1 0 0,0 0-1 0 0,0 0 1 0 0,0 0-1 0 0,0 0 0 0 0,0 0 1 0 0,0 0-1 0 0,0 0 1 0 0,0-1-1 0 0,0 1 1 0 0,0 0-1 0 0,0-1 1 0 0,0 1-1 0 0,0-1 0 0 0,0 1 1 0 0,0-1-1 0 0,0 1 1 0 0,0-1-1 0 0,1 0 1 0 0,-1 1-1 0 0,0-1 0 0 0,0 0 1 0 0,1 0-1 0 0,-1 1 1 0 0,0-1-1 0 0,1 0 1 0 0,-1 0-1 0 0,1 0 1 0 0,-1 0-1 0 0,1 0 0 0 0,0 0 1 0 0,-1 0-1 0 0,1 0 1 0 0,0 0-43 0 0,0 0 437 0 0,-14-9 725 0 0,-11-2 897 0 0,-13-1-276 0 0,28 7-1721 0 0,13 0-33 0 0,14-3 29 0 0,7 8-23 0 0,-1-1 0 0 0,0-2 0 0 0,0 0 0 0 0,-1-2 0 0 0,2 0-35 0 0,66-15 219 0 0,294-18 145 0 0,-283 30-275 0 0,41 4-89 0 0,-60 3 28 0 0,223-6 47 0 0,301 32-75 0 0,-364-2-6 0 0,346 40 140 0 0,-324-19-222 0 0,185 58 88 0 0,-446-100 0 0 0,97 26 0 0 0,-1 3 0 0 0,70 35 0 0 0,-56-12-45 0 0,21 18 45 0 0,-84-42-7 0 0,-2 3 1 0 0,-1 2 0 0 0,33 30 6 0 0,182 172 0 0 0,-232-203 0 0 0,-1 1 1 0 0,12 18-1 0 0,-14-16 9 0 0,-1 3 64 0 0,-2 0 0 0 0,-2 1-1 0 0,-1 2 1 0 0,8 26-73 0 0,-11-17 39 0 0,-2 2 1 0 0,-2 0-1 0 0,-1 12-39 0 0,-11-59-14 0 0,7 48 63 0 0,-1 1-1 0 0,-3 0 1 0 0,-3 0 0 0 0,-2 0-1 0 0,-2 0 1 0 0,-3 0 0 0 0,-2 0-1 0 0,-14 52-48 0 0,15-76 50 0 0,-2 0 0 0 0,-2-1 0 0 0,0 0-1 0 0,-2 0 1 0 0,-2-2 0 0 0,-13 24-50 0 0,-32 38 183 0 0,-4-4-1 0 0,-3-2 1 0 0,-4-3 0 0 0,-24 18-183 0 0,33-31 55 0 0,46-49-39 0 0,0-1 0 0 0,-2 0 0 0 0,0-2 0 0 0,-1 0 1 0 0,-10 7-17 0 0,-76 65 83 0 0,-56 21-17 0 0,-48 37-72 0 0,-145 142 70 0 0,187-153-10 0 0,138-111-48 0 0,-1-2 0 0 0,-12 6-6 0 0,16-12-1 0 0,0 1 1 0 0,2 2 0 0 0,0 0-1 0 0,0 3 1 0 0,-68 68 0 0 0,-20 9 0 0 0,17-16 0 0 0,-25 38 0 0 0,4 4 0 0 0,-48 76 0 0 0,114-139 0 0 0,-31 28 0 0 0,48-55 0 0 0,1 1 0 0 0,2 1 0 0 0,-11 19 0 0 0,1 8 0 0 0,-24 38 0 0 0,-1 15 0 0 0,-1-9 0 0 0,44-77 0 0 0,2 1 0 0 0,-14 31 0 0 0,22-32 0 0 0,-5 10 0 0 0,-57 102 0 0 0,28-44 0 0 0,34-66 0 0 0,-2 6 0 0 0,7-29-2 0 0,-21 31 28 0 0,2 2 0 0 0,2 0-1 0 0,-4 13-25 0 0,3-18 54 0 0,20-34-46 0 0,1 1-1 0 0,-1-1 0 0 0,1 1 1 0 0,0 0-1 0 0,1-1 1 0 0,-1 1-1 0 0,1 0 0 0 0,-1 4-7 0 0,-12 25 13 0 0,13-31-13 0 0,1-1 0 0 0,-1 1 0 0 0,1-1 0 0 0,0 1 0 0 0,-1-1 0 0 0,1 1 0 0 0,0 0 0 0 0,1 0 0 0 0,-1 0 0 0 0,1-1 0 0 0,-1 1 0 0 0,1 0 0 0 0,0 0 0 0 0,0 0 0 0 0,0 0 0 0 0,0 0 0 0 0,0 0 0 0 0,1-1-1 0 0,0 2 1 0 0,-1-2 1 0 0,0 0-1 0 0,1 1 1 0 0,-1-1-1 0 0,0 0 0 0 0,0 0 1 0 0,0 0-1 0 0,0 0 1 0 0,-1 0-1 0 0,1 1 0 0 0,0-1 1 0 0,-1 0-1 0 0,0 0 1 0 0,1 0-1 0 0,-1 0 0 0 0,0 0 1 0 0,0 0-1 0 0,0-1 1 0 0,-1 1-1 0 0,1 0 2 0 0,0 0 0 0 0,1-1 1 0 0,-1 1-1 0 0,0-1 1 0 0,0 1-1 0 0,1 0 0 0 0,-1 0 1 0 0,1-1-1 0 0,-1 1 0 0 0,1 0 1 0 0,0 0-1 0 0,0 0 0 0 0,-1-1 1 0 0,1 1-1 0 0,1 0 1 0 0,-1 0-1 0 0,0 0 0 0 0,0-1 1 0 0,1 1-1 0 0,-1 0 0 0 0,1 0 1 0 0,-1-1-1 0 0,1 1 1 0 0,0 0-4 0 0,0-1 1 0 0,-1 0 0 0 0,0 0 0 0 0,1 1 0 0 0,-1-1 0 0 0,0 0 0 0 0,0 0 0 0 0,1 0 0 0 0,-1 0 0 0 0,0 0 0 0 0,0 1 0 0 0,0-1 0 0 0,-1 0 0 0 0,1 0 0 0 0,0 0 0 0 0,0 0 0 0 0,0 0 0 0 0,-1 1 0 0 0,1-1 0 0 0,-1 0 0 0 0,1 0 0 0 0,-1 0 0 0 0,1 0 0 0 0,-1 0 0 0 0,0 0 0 0 0,0 0 0 0 0,1 0 0 0 0,-1 0 0 0 0,0 0 0 0 0,1 0 0 0 0,-1 0 0 0 0,1 1 0 0 0,-1-1 0 0 0,1 0 0 0 0,0 0 0 0 0,0 0 0 0 0,-1 0 0 0 0,1 1 0 0 0,0-1 0 0 0,0 0 0 0 0,0 0 0 0 0,0 0 0 0 0,0 1 0 0 0,1-1 0 0 0,-1 0 0 0 0,0 0 0 0 0,0 0 0 0 0,1 0 0 0 0,-1 1 0 0 0,0 1 0 0 0,0 0 0 0 0,-1 0 0 0 0,0 0-1 0 0,1 0 1 0 0,-1-1 0 0 0,0 1 0 0 0,-1 0-1 0 0,1 0 1 0 0,0-1 0 0 0,-1 1 0 0 0,1-1-1 0 0,-1 1 1 0 0,-9 19 57 0 0,10-19-46 0 0,0 0 1 0 0,0-1 0 0 0,-1 1-1 0 0,1 0 1 0 0,-1-1 0 0 0,1 1-1 0 0,-1-1 1 0 0,0 0-1 0 0,0 0 1 0 0,-1 2-12 0 0,-15 20 1350 0 0,1-7-777 0 0,16-16-572 0 0,0-1 1 0 0,1 1-1 0 0,-1-1 0 0 0,0 1 0 0 0,0 0 0 0 0,0-1 0 0 0,0 1 1 0 0,0 0-1 0 0,1 0 0 0 0,-1 0 0 0 0,0 0 0 0 0,1-1 0 0 0,-1 1 1 0 0,0 0-1 0 0,1 0 0 0 0,0 0 0 0 0,-1 0 0 0 0,1 0 1 0 0,-1 0-1 0 0,1 1 0 0 0,0-1 0 0 0,0 0 0 0 0,0 0 0 0 0,-1 0 1 0 0,1 0-1 0 0,0 0 0 0 0,0 0 0 0 0,1 0 0 0 0,-1 0 0 0 0,0 1-1 0 0,0-1 0 0 0,0 0 0 0 0,1 0 0 0 0,-1 0-1 0 0,0 0 1 0 0,0 0 0 0 0,0 1 0 0 0,-1-1-1 0 0,1 0 1 0 0,0 0 0 0 0,0 0-1 0 0,-1 0 1 0 0,1 0 0 0 0,0 0 0 0 0,-1 0-1 0 0,1 0 1 0 0,-1 0 0 0 0,1 0 0 0 0,-1 0-1 0 0,1-1 1 0 0,-1 1 0 0 0,0 0-1 0 0,0 0 1 0 0,1 0 0 0 0,-1-1 0 0 0,-1 1 0 0 0,1 1 8 0 0,-1-1 0 0 0,1 1 0 0 0,0-1 0 0 0,-1 1 0 0 0,1 0 0 0 0,0-1 0 0 0,0 1 0 0 0,0 0 0 0 0,0 0 0 0 0,0 0 0 0 0,1 0 1 0 0,-1 0-1 0 0,1 0 0 0 0,-1 0 0 0 0,1 0 0 0 0,-1 0 0 0 0,1 0 0 0 0,0 0 0 0 0,0 0-8 0 0,0-1-10 0 0,0-1 1 0 0,0 1-1 0 0,0 0 0 0 0,1-1 1 0 0,-1 1-1 0 0,0-1 0 0 0,0 1 1 0 0,0-1-1 0 0,1 1 0 0 0,-1-1 1 0 0,0 1-1 0 0,0-1 0 0 0,1 0 1 0 0,-1 1-1 0 0,0-1 0 0 0,1 1 1 0 0,-1-1-1 0 0,1 0 0 0 0,-1 1 1 0 0,0-1-1 0 0,1 0 0 0 0,-1 1 1 0 0,1-1-1 0 0,-1 0 0 0 0,1 0 1 0 0,-1 1-1 0 0,1-1 0 0 0,-1 0 1 0 0,1 0-1 0 0,-1 0 0 0 0,1 0 10 0 0,5 5-339 0 0,-12 6 38 0 0,5-9 284 0 0,0-1-1 0 0,-1 1 0 0 0,1 0 1 0 0,-1-1-1 0 0,1 1 1 0 0,-1-1-1 0 0,1 0 1 0 0,-1 0-1 0 0,0 1 1 0 0,0-1-1 0 0,0 0 1 0 0,1-1-1 0 0,-1 1 0 0 0,0 0 1 0 0,0 0-1 0 0,0-1 1 0 0,0 1-1 0 0,0-1 1 0 0,-2 0 17 0 0,12 0 26 0 0,-7 1-7 0 0,0-1 0 0 0,0 0-1 0 0,0-1 1 0 0,0 1 0 0 0,0 0-1 0 0,0 0 1 0 0,0 0 0 0 0,0-1-1 0 0,0 1 1 0 0,0 0 0 0 0,0-1-1 0 0,0 1 1 0 0,0-1 0 0 0,0 1-1 0 0,0-1 1 0 0,0 0 0 0 0,0 1-1 0 0,0-1 1 0 0,-1 0 0 0 0,1 1-1 0 0,0-1 1 0 0,-1 0 0 0 0,1 0-1 0 0,0 0 1 0 0,-1 0 0 0 0,1 0-1 0 0,-1 0 1 0 0,1 0 0 0 0,-1 0-1 0 0,0 0 1 0 0,1 0 0 0 0,-1 0-1 0 0,0 0 1 0 0,0 0 0 0 0,0 0-1 0 0,0 0 1 0 0,0 0-19 0 0,-4-49 398 0 0,0 18-99 0 0,5 27-254 0 0,0 0-1 0 0,-1 1 0 0 0,1-1 0 0 0,-1 0 0 0 0,0 0 0 0 0,-1 0 0 0 0,1 0 0 0 0,-1 1 0 0 0,0-1 1 0 0,0 0-1 0 0,-1 1 0 0 0,0-4-44 0 0,1 6 26 0 0,0 0 1 0 0,1-1-1 0 0,0 1 0 0 0,-1-1 1 0 0,1 1-1 0 0,0 0 1 0 0,0-1-1 0 0,0 1 1 0 0,1-1-1 0 0,-1 1 0 0 0,1-1 1 0 0,-1 1-1 0 0,1 0 1 0 0,0-1-1 0 0,0-1-26 0 0,5-23 189 0 0,-11-61 136 0 0,6 62-276 0 0,-1 1 0 0 0,-1-1 0 0 0,-3-7-49 0 0,2 5 13 0 0,2 23-13 0 0,0 0 0 0 0,0 0 0 0 0,1 0 0 0 0,-1 0 0 0 0,1 0 0 0 0,0 0 0 0 0,1 0 0 0 0,-1 1 0 0 0,1-1 0 0 0,1-1 0 0 0,-1 2 0 0 0,-1-1 0 0 0,1 1 0 0 0,-1 0 0 0 0,0-1 0 0 0,0 1 0 0 0,0-1 0 0 0,0 1 0 0 0,-1-1 0 0 0,0 0 0 0 0,0 1 0 0 0,0-2 0 0 0,0 4 0 0 0,-2-10-2 0 0,0 0 0 0 0,1-1-1 0 0,1 1 1 0 0,0 0 0 0 0,1 0 0 0 0,0-1-1 0 0,3-9 3 0 0,-3 12-30 0 0,0-1-1 0 0,0 0 1 0 0,-1 0 0 0 0,-1 0-1 0 0,-1-9 31 0 0,0 7-54 0 0,1 0 0 0 0,1 1-1 0 0,0-1 1 0 0,2-11 54 0 0,-1 15-53 0 0,-1-1-1 0 0,0 1 1 0 0,0-1-1 0 0,-1 1 1 0 0,-2-8 53 0 0,-1-25-204 0 0,4 40 187 0 0,1-1-1 0 0,-1 1 1 0 0,1 0-1 0 0,-1-1 0 0 0,1 1 1 0 0,0-1-1 0 0,0 1 1 0 0,0 0-1 0 0,0 0 0 0 0,0 0 1 0 0,0-1-1 0 0,2-1 18 0 0,9-22-325 0 0,-12 25 308 0 0,0 1-1 0 0,-1 0 0 0 0,1 0 1 0 0,0 0-1 0 0,0 0 1 0 0,0-1-1 0 0,-1 1 0 0 0,1 0 1 0 0,0 0-1 0 0,0 0 0 0 0,0 0 1 0 0,-1 0-1 0 0,1 0 0 0 0,0 0 1 0 0,0 0-1 0 0,-1 0 1 0 0,1-1-1 0 0,0 1 0 0 0,0 0 1 0 0,-1 0-1 0 0,1 0 0 0 0,0 0 1 0 0,0 0-1 0 0,-1 0 0 0 0,1 1 1 0 0,0-1-1 0 0,0 0 0 0 0,0 0 1 0 0,-1 0-1 0 0,1 0 1 0 0,0 0-1 0 0,0 0 0 0 0,-1 0 1 0 0,1 0-1 0 0,0 1 0 0 0,0-1 1 0 0,0 0-1 0 0,0 0 0 0 0,-1 0 18 0 0,6 20-105 0 0,-1 1 0 0 0,0-1-1 0 0,-2 1 1 0 0,-1 0 0 0 0,0-1-1 0 0,-2 18 106 0 0,4 20-148 0 0,-2-52 134 0 0,0 0 0 0 0,0 0 0 0 0,-1 1-1 0 0,1-1 1 0 0,-1 0 0 0 0,-1 0 0 0 0,1 0 0 0 0,-1 0 0 0 0,0 1 0 0 0,-1-1-1 0 0,0 3 15 0 0,0-3-5 0 0,1 0 0 0 0,0 0-1 0 0,0 1 1 0 0,0-1-1 0 0,1 1 1 0 0,0-1 0 0 0,1 0-1 0 0,-1 1 1 0 0,1-1-1 0 0,0 0 1 0 0,1 1-1 0 0,0-1 1 0 0,0 0 0 0 0,1 3 5 0 0,0-2 0 0 0,-1 1 0 0 0,0 0 1 0 0,0 1-1 0 0,-1-1 1 0 0,0 0-1 0 0,0 0 1 0 0,-1 1-1 0 0,0-1 0 0 0,0 3 0 0 0,-2-2 0 0 0,0 0 0 0 0,1 0 0 0 0,0 0 0 0 0,1 0 0 0 0,0 0 0 0 0,1 0 0 0 0,-1 0 0 0 0,2 0 0 0 0,-1 0 0 0 0,1 0 0 0 0,3 6 0 0 0,-2-7-9 0 0,-1 0-1 0 0,0 1 0 0 0,-1-1 0 0 0,1 1 0 0 0,-1 4 10 0 0,-1-6-26 0 0,1 0 0 0 0,0-1 0 0 0,0 1 1 0 0,0-1-1 0 0,1 0 0 0 0,0 1 0 0 0,1-1 0 0 0,1 5 26 0 0,15 43-17 0 0,-18-46 48 0 0,1-1 0 0 0,0-1 0 0 0,0 1 1 0 0,1 0-1 0 0,0 0 0 0 0,0-1 0 0 0,0 1 0 0 0,2 1-31 0 0,-4-7 2 0 0,1 1-1 0 0,0-1-1 0 0,-1 1 1 0 0,1 0-1 0 0,-1 0 1 0 0,0 0 0 0 0,1 0-1 0 0,-1 0 1 0 0,0 0-1 0 0,0 0 1 0 0,0 0 0 0 0,-1 0-1 0 0,1 0 1 0 0,0 1-1 0 0,-1-1 1 0 0,1 0 0 0 0,-1 0-1 0 0,0 1 1 0 0,0-1-1 0 0,0 0 1 0 0,0 1 0 0 0,0-1-1 0 0,0 0 1 0 0,-1 1-1 0 0,0 0 0 0 0,1-1 2 0 0,0 0-1 0 0,0-1 1 0 0,0 1-1 0 0,0 0 1 0 0,0 0-1 0 0,0-1 1 0 0,0 1-1 0 0,1 0 1 0 0,-1 0-1 0 0,1-1 1 0 0,-1 1-1 0 0,1 0 1 0 0,0-1-1 0 0,0 1 0 0 0,-1 0 1 0 0,1-1-1 0 0,0 1 1 0 0,0-1-1 0 0,1 0 1 0 0,-1 1-2 0 0,0-2 22 0 0,0 1 1 0 0,0-1-1 0 0,-1 1 1 0 0,1-1-1 0 0,0 0 1 0 0,0 0-1 0 0,0 1 1 0 0,0-1-1 0 0,0 0 1 0 0,0 0-1 0 0,0 0 0 0 0,0 0 1 0 0,0 0-1 0 0,0 0 1 0 0,0 0-1 0 0,0 0 1 0 0,0-1-1 0 0,0 1 1 0 0,0 0-1 0 0,0 0 1 0 0,0-1-1 0 0,0 1 1 0 0,0-1-1 0 0,-1 1 1 0 0,1-1-1 0 0,0 1 1 0 0,0-1-23 0 0,20-26 1058 0 0,-13 16-854 0 0,24-53 950 0 0,-1 0-521 0 0,-10 33-396 0 0,118-171 243 0 0,-108 162-579 0 0,2 1-1 0 0,2 1 0 0 0,32-25 100 0 0,-24 24-218 0 0,-11 10-404 0 0,0 1 0 0 0,2 2 0 0 0,1 0 1 0 0,1 3-1 0 0,1 1 0 0 0,16-5 622 0 0,24-8-1364 0 0,-10 0-10 0 0</inkml:trace>
+</inkml:ink>
+</file>
+
 <file path=ppt/notesMasters/notesMaster1.xml><?xml version="1.0" encoding="utf-8"?>
 <p:notesMaster xmlns:a="http://schemas.openxmlformats.org/drawingml/2006/main" xmlns:r="http://schemas.openxmlformats.org/officeDocument/2006/relationships" xmlns:p="http://schemas.openxmlformats.org/presentationml/2006/main">
   <p:cSld>
@@ -277,7 +340,7 @@
           <a:p>
             <a:fld id="{E753CC8B-2C22-4294-82AF-E18635F6C8A8}" type="datetimeFigureOut">
               <a:rPr lang="en-US" smtClean="0"/>
-              <a:t>3/23/2020</a:t>
+              <a:t>3/24/2020</a:t>
             </a:fld>
             <a:endParaRPr lang="en-US"/>
           </a:p>
@@ -1054,7 +1117,91 @@
           <a:p>
             <a:fld id="{F41A18DF-4A92-427C-AD9F-04E22FE0E9C0}" type="slidenum">
               <a:rPr lang="en-US" smtClean="0"/>
-              <a:t>37</a:t>
+              <a:t>25</a:t>
+            </a:fld>
+            <a:endParaRPr lang="en-US"/>
+          </a:p>
+        </p:txBody>
+      </p:sp>
+    </p:spTree>
+    <p:extLst>
+      <p:ext uri="{BB962C8B-B14F-4D97-AF65-F5344CB8AC3E}">
+        <p14:creationId xmlns:p14="http://schemas.microsoft.com/office/powerpoint/2010/main" val="363450933"/>
+      </p:ext>
+    </p:extLst>
+  </p:cSld>
+  <p:clrMapOvr>
+    <a:masterClrMapping/>
+  </p:clrMapOvr>
+</p:notes>
+</file>
+
+<file path=ppt/notesSlides/notesSlide6.xml><?xml version="1.0" encoding="utf-8"?>
+<p:notes xmlns:a="http://schemas.openxmlformats.org/drawingml/2006/main" xmlns:r="http://schemas.openxmlformats.org/officeDocument/2006/relationships" xmlns:p="http://schemas.openxmlformats.org/presentationml/2006/main">
+  <p:cSld>
+    <p:spTree>
+      <p:nvGrpSpPr>
+        <p:cNvPr id="1" name=""/>
+        <p:cNvGrpSpPr/>
+        <p:nvPr/>
+      </p:nvGrpSpPr>
+      <p:grpSpPr>
+        <a:xfrm>
+          <a:off x="0" y="0"/>
+          <a:ext cx="0" cy="0"/>
+          <a:chOff x="0" y="0"/>
+          <a:chExt cx="0" cy="0"/>
+        </a:xfrm>
+      </p:grpSpPr>
+      <p:sp>
+        <p:nvSpPr>
+          <p:cNvPr id="2" name="Slide Image Placeholder 1"/>
+          <p:cNvSpPr>
+            <a:spLocks noGrp="1" noRot="1" noChangeAspect="1"/>
+          </p:cNvSpPr>
+          <p:nvPr>
+            <p:ph type="sldImg"/>
+          </p:nvPr>
+        </p:nvSpPr>
+        <p:spPr/>
+      </p:sp>
+      <p:sp>
+        <p:nvSpPr>
+          <p:cNvPr id="3" name="Notes Placeholder 2"/>
+          <p:cNvSpPr>
+            <a:spLocks noGrp="1"/>
+          </p:cNvSpPr>
+          <p:nvPr>
+            <p:ph type="body" idx="1"/>
+          </p:nvPr>
+        </p:nvSpPr>
+        <p:spPr/>
+        <p:txBody>
+          <a:bodyPr/>
+          <a:lstStyle/>
+          <a:p>
+            <a:endParaRPr lang="en-IE" dirty="0"/>
+          </a:p>
+        </p:txBody>
+      </p:sp>
+      <p:sp>
+        <p:nvSpPr>
+          <p:cNvPr id="4" name="Slide Number Placeholder 3"/>
+          <p:cNvSpPr>
+            <a:spLocks noGrp="1"/>
+          </p:cNvSpPr>
+          <p:nvPr>
+            <p:ph type="sldNum" sz="quarter" idx="5"/>
+          </p:nvPr>
+        </p:nvSpPr>
+        <p:spPr/>
+        <p:txBody>
+          <a:bodyPr/>
+          <a:lstStyle/>
+          <a:p>
+            <a:fld id="{F41A18DF-4A92-427C-AD9F-04E22FE0E9C0}" type="slidenum">
+              <a:rPr lang="en-US" smtClean="0"/>
+              <a:t>36</a:t>
             </a:fld>
             <a:endParaRPr lang="en-US"/>
           </a:p>
@@ -1252,7 +1399,7 @@
           <a:p>
             <a:fld id="{B9A3E4E1-EAAE-4738-8551-BAE8BA49A08B}" type="datetimeFigureOut">
               <a:rPr lang="en-US" smtClean="0"/>
-              <a:t>3/23/2020</a:t>
+              <a:t>3/24/2020</a:t>
             </a:fld>
             <a:endParaRPr lang="en-US"/>
           </a:p>
@@ -1420,7 +1567,7 @@
           <a:p>
             <a:fld id="{B9A3E4E1-EAAE-4738-8551-BAE8BA49A08B}" type="datetimeFigureOut">
               <a:rPr lang="en-US" smtClean="0"/>
-              <a:t>3/23/2020</a:t>
+              <a:t>3/24/2020</a:t>
             </a:fld>
             <a:endParaRPr lang="en-US"/>
           </a:p>
@@ -1598,7 +1745,7 @@
           <a:p>
             <a:fld id="{B9A3E4E1-EAAE-4738-8551-BAE8BA49A08B}" type="datetimeFigureOut">
               <a:rPr lang="en-US" smtClean="0"/>
-              <a:t>3/23/2020</a:t>
+              <a:t>3/24/2020</a:t>
             </a:fld>
             <a:endParaRPr lang="en-US"/>
           </a:p>
@@ -1766,7 +1913,7 @@
           <a:p>
             <a:fld id="{B9A3E4E1-EAAE-4738-8551-BAE8BA49A08B}" type="datetimeFigureOut">
               <a:rPr lang="en-US" smtClean="0"/>
-              <a:t>3/23/2020</a:t>
+              <a:t>3/24/2020</a:t>
             </a:fld>
             <a:endParaRPr lang="en-US"/>
           </a:p>
@@ -2011,7 +2158,7 @@
           <a:p>
             <a:fld id="{B9A3E4E1-EAAE-4738-8551-BAE8BA49A08B}" type="datetimeFigureOut">
               <a:rPr lang="en-US" smtClean="0"/>
-              <a:t>3/23/2020</a:t>
+              <a:t>3/24/2020</a:t>
             </a:fld>
             <a:endParaRPr lang="en-US"/>
           </a:p>
@@ -2296,7 +2443,7 @@
           <a:p>
             <a:fld id="{B9A3E4E1-EAAE-4738-8551-BAE8BA49A08B}" type="datetimeFigureOut">
               <a:rPr lang="en-US" smtClean="0"/>
-              <a:t>3/23/2020</a:t>
+              <a:t>3/24/2020</a:t>
             </a:fld>
             <a:endParaRPr lang="en-US"/>
           </a:p>
@@ -2715,7 +2862,7 @@
           <a:p>
             <a:fld id="{B9A3E4E1-EAAE-4738-8551-BAE8BA49A08B}" type="datetimeFigureOut">
               <a:rPr lang="en-US" smtClean="0"/>
-              <a:t>3/23/2020</a:t>
+              <a:t>3/24/2020</a:t>
             </a:fld>
             <a:endParaRPr lang="en-US"/>
           </a:p>
@@ -2832,7 +2979,7 @@
           <a:p>
             <a:fld id="{B9A3E4E1-EAAE-4738-8551-BAE8BA49A08B}" type="datetimeFigureOut">
               <a:rPr lang="en-US" smtClean="0"/>
-              <a:t>3/23/2020</a:t>
+              <a:t>3/24/2020</a:t>
             </a:fld>
             <a:endParaRPr lang="en-US"/>
           </a:p>
@@ -2927,7 +3074,7 @@
           <a:p>
             <a:fld id="{B9A3E4E1-EAAE-4738-8551-BAE8BA49A08B}" type="datetimeFigureOut">
               <a:rPr lang="en-US" smtClean="0"/>
-              <a:t>3/23/2020</a:t>
+              <a:t>3/24/2020</a:t>
             </a:fld>
             <a:endParaRPr lang="en-US"/>
           </a:p>
@@ -3202,7 +3349,7 @@
           <a:p>
             <a:fld id="{B9A3E4E1-EAAE-4738-8551-BAE8BA49A08B}" type="datetimeFigureOut">
               <a:rPr lang="en-US" smtClean="0"/>
-              <a:t>3/23/2020</a:t>
+              <a:t>3/24/2020</a:t>
             </a:fld>
             <a:endParaRPr lang="en-US"/>
           </a:p>
@@ -3454,7 +3601,7 @@
           <a:p>
             <a:fld id="{B9A3E4E1-EAAE-4738-8551-BAE8BA49A08B}" type="datetimeFigureOut">
               <a:rPr lang="en-US" smtClean="0"/>
-              <a:t>3/23/2020</a:t>
+              <a:t>3/24/2020</a:t>
             </a:fld>
             <a:endParaRPr lang="en-US"/>
           </a:p>
@@ -3665,7 +3812,7 @@
           <a:p>
             <a:fld id="{B9A3E4E1-EAAE-4738-8551-BAE8BA49A08B}" type="datetimeFigureOut">
               <a:rPr lang="en-US" smtClean="0"/>
-              <a:t>3/23/2020</a:t>
+              <a:t>3/24/2020</a:t>
             </a:fld>
             <a:endParaRPr lang="en-US"/>
           </a:p>
@@ -11478,7 +11625,7 @@
           <p:nvPr/>
         </p:nvPicPr>
         <p:blipFill>
-          <a:blip r:embed="rId2"/>
+          <a:blip r:embed="rId3"/>
           <a:stretch>
             <a:fillRect/>
           </a:stretch>
@@ -12162,10 +12309,10 @@
       </p:sp>
       <p:pic>
         <p:nvPicPr>
-          <p:cNvPr id="8" name="Picture 7">
+          <p:cNvPr id="5" name="Picture 4">
             <a:extLst>
               <a:ext uri="{FF2B5EF4-FFF2-40B4-BE49-F238E27FC236}">
-                <a16:creationId xmlns:a16="http://schemas.microsoft.com/office/drawing/2014/main" id="{544449B0-3775-426E-909A-D5B8B4221EDB}"/>
+                <a16:creationId xmlns:a16="http://schemas.microsoft.com/office/drawing/2014/main" id="{63FDA922-4E0D-46EB-91F9-0BAB0471D97A}"/>
               </a:ext>
             </a:extLst>
           </p:cNvPr>
@@ -12182,14 +12329,227 @@
         </p:blipFill>
         <p:spPr>
           <a:xfrm>
-            <a:off x="1884508" y="2945320"/>
-            <a:ext cx="6766717" cy="1189462"/>
+            <a:off x="702906" y="1417638"/>
+            <a:ext cx="4739264" cy="3640674"/>
           </a:xfrm>
           <a:prstGeom prst="rect">
             <a:avLst/>
           </a:prstGeom>
         </p:spPr>
       </p:pic>
+      <p:pic>
+        <p:nvPicPr>
+          <p:cNvPr id="3" name="Picture 2">
+            <a:extLst>
+              <a:ext uri="{FF2B5EF4-FFF2-40B4-BE49-F238E27FC236}">
+                <a16:creationId xmlns:a16="http://schemas.microsoft.com/office/drawing/2014/main" id="{236416EE-CEC8-4E9F-A953-622194DD51B2}"/>
+              </a:ext>
+            </a:extLst>
+          </p:cNvPr>
+          <p:cNvPicPr>
+            <a:picLocks noChangeAspect="1"/>
+          </p:cNvPicPr>
+          <p:nvPr/>
+        </p:nvPicPr>
+        <p:blipFill>
+          <a:blip r:embed="rId3"/>
+          <a:stretch>
+            <a:fillRect/>
+          </a:stretch>
+        </p:blipFill>
+        <p:spPr>
+          <a:xfrm>
+            <a:off x="6483705" y="5139274"/>
+            <a:ext cx="4524375" cy="981075"/>
+          </a:xfrm>
+          <a:prstGeom prst="rect">
+            <a:avLst/>
+          </a:prstGeom>
+        </p:spPr>
+      </p:pic>
+      <p:pic>
+        <p:nvPicPr>
+          <p:cNvPr id="4" name="Picture 3">
+            <a:extLst>
+              <a:ext uri="{FF2B5EF4-FFF2-40B4-BE49-F238E27FC236}">
+                <a16:creationId xmlns:a16="http://schemas.microsoft.com/office/drawing/2014/main" id="{C4EC0ACE-D1D0-4E69-A75B-C26299F8C475}"/>
+              </a:ext>
+            </a:extLst>
+          </p:cNvPr>
+          <p:cNvPicPr>
+            <a:picLocks noChangeAspect="1"/>
+          </p:cNvPicPr>
+          <p:nvPr/>
+        </p:nvPicPr>
+        <p:blipFill>
+          <a:blip r:embed="rId4"/>
+          <a:stretch>
+            <a:fillRect/>
+          </a:stretch>
+        </p:blipFill>
+        <p:spPr>
+          <a:xfrm>
+            <a:off x="702906" y="5058312"/>
+            <a:ext cx="3581400" cy="571500"/>
+          </a:xfrm>
+          <a:prstGeom prst="rect">
+            <a:avLst/>
+          </a:prstGeom>
+        </p:spPr>
+      </p:pic>
+      <p:pic>
+        <p:nvPicPr>
+          <p:cNvPr id="11" name="Picture 10">
+            <a:extLst>
+              <a:ext uri="{FF2B5EF4-FFF2-40B4-BE49-F238E27FC236}">
+                <a16:creationId xmlns:a16="http://schemas.microsoft.com/office/drawing/2014/main" id="{88CCD983-17AC-4F5B-B4FF-B37FABE827A4}"/>
+              </a:ext>
+            </a:extLst>
+          </p:cNvPr>
+          <p:cNvPicPr>
+            <a:picLocks noChangeAspect="1"/>
+          </p:cNvPicPr>
+          <p:nvPr/>
+        </p:nvPicPr>
+        <p:blipFill>
+          <a:blip r:embed="rId5"/>
+          <a:stretch>
+            <a:fillRect/>
+          </a:stretch>
+        </p:blipFill>
+        <p:spPr>
+          <a:xfrm>
+            <a:off x="7389846" y="1417638"/>
+            <a:ext cx="3110690" cy="1983326"/>
+          </a:xfrm>
+          <a:prstGeom prst="rect">
+            <a:avLst/>
+          </a:prstGeom>
+        </p:spPr>
+      </p:pic>
+      <p:grpSp>
+        <p:nvGrpSpPr>
+          <p:cNvPr id="14" name="Group 13">
+            <a:extLst>
+              <a:ext uri="{FF2B5EF4-FFF2-40B4-BE49-F238E27FC236}">
+                <a16:creationId xmlns:a16="http://schemas.microsoft.com/office/drawing/2014/main" id="{506348A2-FC49-43EB-A47B-B4456625D6FA}"/>
+              </a:ext>
+            </a:extLst>
+          </p:cNvPr>
+          <p:cNvGrpSpPr/>
+          <p:nvPr/>
+        </p:nvGrpSpPr>
+        <p:grpSpPr>
+          <a:xfrm>
+            <a:off x="5220705" y="2648682"/>
+            <a:ext cx="5468400" cy="2451240"/>
+            <a:chOff x="5220705" y="2648682"/>
+            <a:chExt cx="5468400" cy="2451240"/>
+          </a:xfrm>
+        </p:grpSpPr>
+        <mc:AlternateContent xmlns:mc="http://schemas.openxmlformats.org/markup-compatibility/2006">
+          <mc:Choice xmlns:p14="http://schemas.microsoft.com/office/powerpoint/2010/main" Requires="p14">
+            <p:contentPart p14:bwMode="auto" r:id="rId6">
+              <p14:nvContentPartPr>
+                <p14:cNvPr id="12" name="Ink 11">
+                  <a:extLst>
+                    <a:ext uri="{FF2B5EF4-FFF2-40B4-BE49-F238E27FC236}">
+                      <a16:creationId xmlns:a16="http://schemas.microsoft.com/office/drawing/2014/main" id="{C14CABD8-3F25-4EA6-B13E-37B50AD0C226}"/>
+                    </a:ext>
+                  </a:extLst>
+                </p14:cNvPr>
+                <p14:cNvContentPartPr/>
+                <p14:nvPr/>
+              </p14:nvContentPartPr>
+              <p14:xfrm>
+                <a:off x="5220705" y="2648682"/>
+                <a:ext cx="2457720" cy="548640"/>
+              </p14:xfrm>
+            </p:contentPart>
+          </mc:Choice>
+          <mc:Fallback>
+            <p:pic>
+              <p:nvPicPr>
+                <p:cNvPr id="12" name="Ink 11">
+                  <a:extLst>
+                    <a:ext uri="{FF2B5EF4-FFF2-40B4-BE49-F238E27FC236}">
+                      <a16:creationId xmlns:a16="http://schemas.microsoft.com/office/drawing/2014/main" id="{C14CABD8-3F25-4EA6-B13E-37B50AD0C226}"/>
+                    </a:ext>
+                  </a:extLst>
+                </p:cNvPr>
+                <p:cNvPicPr/>
+                <p:nvPr/>
+              </p:nvPicPr>
+              <p:blipFill>
+                <a:blip r:embed="rId7"/>
+                <a:stretch>
+                  <a:fillRect/>
+                </a:stretch>
+              </p:blipFill>
+              <p:spPr>
+                <a:xfrm>
+                  <a:off x="5211705" y="2640042"/>
+                  <a:ext cx="2475360" cy="566280"/>
+                </a:xfrm>
+                <a:prstGeom prst="rect">
+                  <a:avLst/>
+                </a:prstGeom>
+              </p:spPr>
+            </p:pic>
+          </mc:Fallback>
+        </mc:AlternateContent>
+        <mc:AlternateContent xmlns:mc="http://schemas.openxmlformats.org/markup-compatibility/2006">
+          <mc:Choice xmlns:p14="http://schemas.microsoft.com/office/powerpoint/2010/main" Requires="p14">
+            <p:contentPart p14:bwMode="auto" r:id="rId8">
+              <p14:nvContentPartPr>
+                <p14:cNvPr id="13" name="Ink 12">
+                  <a:extLst>
+                    <a:ext uri="{FF2B5EF4-FFF2-40B4-BE49-F238E27FC236}">
+                      <a16:creationId xmlns:a16="http://schemas.microsoft.com/office/drawing/2014/main" id="{94AB1B77-946F-410A-B812-8AF3D565BEAC}"/>
+                    </a:ext>
+                  </a:extLst>
+                </p14:cNvPr>
+                <p14:cNvContentPartPr/>
+                <p14:nvPr/>
+              </p14:nvContentPartPr>
+              <p14:xfrm>
+                <a:off x="8941305" y="2743002"/>
+                <a:ext cx="1747800" cy="2356920"/>
+              </p14:xfrm>
+            </p:contentPart>
+          </mc:Choice>
+          <mc:Fallback>
+            <p:pic>
+              <p:nvPicPr>
+                <p:cNvPr id="13" name="Ink 12">
+                  <a:extLst>
+                    <a:ext uri="{FF2B5EF4-FFF2-40B4-BE49-F238E27FC236}">
+                      <a16:creationId xmlns:a16="http://schemas.microsoft.com/office/drawing/2014/main" id="{94AB1B77-946F-410A-B812-8AF3D565BEAC}"/>
+                    </a:ext>
+                  </a:extLst>
+                </p:cNvPr>
+                <p:cNvPicPr/>
+                <p:nvPr/>
+              </p:nvPicPr>
+              <p:blipFill>
+                <a:blip r:embed="rId9"/>
+                <a:stretch>
+                  <a:fillRect/>
+                </a:stretch>
+              </p:blipFill>
+              <p:spPr>
+                <a:xfrm>
+                  <a:off x="8932665" y="2734002"/>
+                  <a:ext cx="1765440" cy="2374560"/>
+                </a:xfrm>
+                <a:prstGeom prst="rect">
+                  <a:avLst/>
+                </a:prstGeom>
+              </p:spPr>
+            </p:pic>
+          </mc:Fallback>
+        </mc:AlternateContent>
+      </p:grpSp>
     </p:spTree>
     <p:extLst>
       <p:ext uri="{BB962C8B-B14F-4D97-AF65-F5344CB8AC3E}">
@@ -13526,125 +13886,6 @@
           <a:lstStyle/>
           <a:p>
             <a:r>
-              <a:rPr lang="en-IE"/>
-              <a:t>Ex: Hacker News – Adding a comment to a post. </a:t>
-            </a:r>
-          </a:p>
-          <a:p>
-            <a:pPr marL="0" indent="0">
-              <a:buNone/>
-            </a:pPr>
-            <a:endParaRPr lang="en-IE"/>
-          </a:p>
-        </p:txBody>
-      </p:sp>
-      <p:pic>
-        <p:nvPicPr>
-          <p:cNvPr id="5" name="Picture 5" descr="A screenshot of a social media post&#10;&#10;Description generated with very high confidence">
-            <a:extLst>
-              <a:ext uri="{FF2B5EF4-FFF2-40B4-BE49-F238E27FC236}">
-                <a16:creationId xmlns:a16="http://schemas.microsoft.com/office/drawing/2014/main" id="{0ECC7B49-F037-4BA7-8E7C-1DDAFC3A2139}"/>
-              </a:ext>
-            </a:extLst>
-          </p:cNvPr>
-          <p:cNvPicPr>
-            <a:picLocks noChangeAspect="1"/>
-          </p:cNvPicPr>
-          <p:nvPr/>
-        </p:nvPicPr>
-        <p:blipFill rotWithShape="1">
-          <a:blip r:embed="rId2"/>
-          <a:srcRect t="34345" r="60563" b="45385"/>
-          <a:stretch/>
-        </p:blipFill>
-        <p:spPr>
-          <a:xfrm>
-            <a:off x="2044908" y="3302738"/>
-            <a:ext cx="7763679" cy="2174355"/>
-          </a:xfrm>
-          <a:prstGeom prst="rect">
-            <a:avLst/>
-          </a:prstGeom>
-        </p:spPr>
-      </p:pic>
-    </p:spTree>
-    <p:extLst>
-      <p:ext uri="{BB962C8B-B14F-4D97-AF65-F5344CB8AC3E}">
-        <p14:creationId xmlns:p14="http://schemas.microsoft.com/office/powerpoint/2010/main" val="2710992388"/>
-      </p:ext>
-    </p:extLst>
-  </p:cSld>
-  <p:clrMapOvr>
-    <a:masterClrMapping/>
-  </p:clrMapOvr>
-</p:sld>
-</file>
-
-<file path=ppt/slides/slide33.xml><?xml version="1.0" encoding="utf-8"?>
-<p:sld xmlns:a="http://schemas.openxmlformats.org/drawingml/2006/main" xmlns:r="http://schemas.openxmlformats.org/officeDocument/2006/relationships" xmlns:p="http://schemas.openxmlformats.org/presentationml/2006/main">
-  <p:cSld>
-    <p:spTree>
-      <p:nvGrpSpPr>
-        <p:cNvPr id="1" name=""/>
-        <p:cNvGrpSpPr/>
-        <p:nvPr/>
-      </p:nvGrpSpPr>
-      <p:grpSpPr>
-        <a:xfrm>
-          <a:off x="0" y="0"/>
-          <a:ext cx="0" cy="0"/>
-          <a:chOff x="0" y="0"/>
-          <a:chExt cx="0" cy="0"/>
-        </a:xfrm>
-      </p:grpSpPr>
-      <p:sp>
-        <p:nvSpPr>
-          <p:cNvPr id="2" name="Title 1"/>
-          <p:cNvSpPr>
-            <a:spLocks noGrp="1"/>
-          </p:cNvSpPr>
-          <p:nvPr>
-            <p:ph type="title"/>
-          </p:nvPr>
-        </p:nvSpPr>
-        <p:spPr>
-          <a:xfrm>
-            <a:off x="1981200" y="274638"/>
-            <a:ext cx="8229600" cy="1143000"/>
-          </a:xfrm>
-        </p:spPr>
-        <p:txBody>
-          <a:bodyPr/>
-          <a:lstStyle/>
-          <a:p>
-            <a:r>
-              <a:rPr lang="en-IE"/>
-              <a:t>Mongoose Sub-Docs</a:t>
-            </a:r>
-          </a:p>
-        </p:txBody>
-      </p:sp>
-      <p:sp>
-        <p:nvSpPr>
-          <p:cNvPr id="3" name="Content Placeholder 2"/>
-          <p:cNvSpPr>
-            <a:spLocks noGrp="1"/>
-          </p:cNvSpPr>
-          <p:nvPr>
-            <p:ph idx="1"/>
-          </p:nvPr>
-        </p:nvSpPr>
-        <p:spPr>
-          <a:xfrm>
-            <a:off x="1981200" y="1600201"/>
-            <a:ext cx="8229600" cy="4525963"/>
-          </a:xfrm>
-        </p:spPr>
-        <p:txBody>
-          <a:bodyPr/>
-          <a:lstStyle/>
-          <a:p>
-            <a:r>
               <a:rPr lang="en-IE" dirty="0"/>
               <a:t>Ex: Movies – Adding a review to a favourite movie. </a:t>
             </a:r>
@@ -13700,7 +13941,7 @@
 </p:sld>
 </file>
 
-<file path=ppt/slides/slide34.xml><?xml version="1.0" encoding="utf-8"?>
+<file path=ppt/slides/slide33.xml><?xml version="1.0" encoding="utf-8"?>
 <p:sld xmlns:a="http://schemas.openxmlformats.org/drawingml/2006/main" xmlns:r="http://schemas.openxmlformats.org/officeDocument/2006/relationships" xmlns:p="http://schemas.openxmlformats.org/presentationml/2006/main">
   <p:cSld>
     <p:spTree>
@@ -13783,7 +14024,7 @@
 </p:sld>
 </file>
 
-<file path=ppt/slides/slide35.xml><?xml version="1.0" encoding="utf-8"?>
+<file path=ppt/slides/slide34.xml><?xml version="1.0" encoding="utf-8"?>
 <p:sld xmlns:a="http://schemas.openxmlformats.org/drawingml/2006/main" xmlns:r="http://schemas.openxmlformats.org/officeDocument/2006/relationships" xmlns:p="http://schemas.openxmlformats.org/presentationml/2006/main">
   <p:cSld>
     <p:spTree>
@@ -13929,7 +14170,7 @@
 </p:sld>
 </file>
 
-<file path=ppt/slides/slide36.xml><?xml version="1.0" encoding="utf-8"?>
+<file path=ppt/slides/slide35.xml><?xml version="1.0" encoding="utf-8"?>
 <p:sld xmlns:a="http://schemas.openxmlformats.org/drawingml/2006/main" xmlns:r="http://schemas.openxmlformats.org/officeDocument/2006/relationships" xmlns:p="http://schemas.openxmlformats.org/presentationml/2006/main">
   <p:cSld>
     <p:bg>
@@ -14659,7 +14900,7 @@
 </p:sld>
 </file>
 
-<file path=ppt/slides/slide37.xml><?xml version="1.0" encoding="utf-8"?>
+<file path=ppt/slides/slide36.xml><?xml version="1.0" encoding="utf-8"?>
 <p:sld xmlns:a="http://schemas.openxmlformats.org/drawingml/2006/main" xmlns:r="http://schemas.openxmlformats.org/officeDocument/2006/relationships" xmlns:p="http://schemas.openxmlformats.org/presentationml/2006/main">
   <p:cSld>
     <p:spTree>
@@ -15005,7 +15246,7 @@
 </p:sld>
 </file>
 
-<file path=ppt/slides/slide38.xml><?xml version="1.0" encoding="utf-8"?>
+<file path=ppt/slides/slide37.xml><?xml version="1.0" encoding="utf-8"?>
 <p:sld xmlns:a="http://schemas.openxmlformats.org/drawingml/2006/main" xmlns:r="http://schemas.openxmlformats.org/officeDocument/2006/relationships" xmlns:p="http://schemas.openxmlformats.org/presentationml/2006/main">
   <p:cSld>
     <p:spTree>
@@ -15440,7 +15681,7 @@
 </p:sld>
 </file>
 
-<file path=ppt/slides/slide39.xml><?xml version="1.0" encoding="utf-8"?>
+<file path=ppt/slides/slide38.xml><?xml version="1.0" encoding="utf-8"?>
 <p:sld xmlns:a="http://schemas.openxmlformats.org/drawingml/2006/main" xmlns:r="http://schemas.openxmlformats.org/officeDocument/2006/relationships" xmlns:p="http://schemas.openxmlformats.org/presentationml/2006/main">
   <p:cSld>
     <p:spTree>
@@ -15936,6 +16177,593 @@
     <p:bldLst>
       <p:bldP spid="6" grpId="0" animBg="1"/>
       <p:bldP spid="7" grpId="0" animBg="1"/>
+    </p:bldLst>
+  </p:timing>
+</p:sld>
+</file>
+
+<file path=ppt/slides/slide39.xml><?xml version="1.0" encoding="utf-8"?>
+<p:sld xmlns:a="http://schemas.openxmlformats.org/drawingml/2006/main" xmlns:r="http://schemas.openxmlformats.org/officeDocument/2006/relationships" xmlns:p="http://schemas.openxmlformats.org/presentationml/2006/main">
+  <p:cSld>
+    <p:spTree>
+      <p:nvGrpSpPr>
+        <p:cNvPr id="1" name=""/>
+        <p:cNvGrpSpPr/>
+        <p:nvPr/>
+      </p:nvGrpSpPr>
+      <p:grpSpPr>
+        <a:xfrm>
+          <a:off x="0" y="0"/>
+          <a:ext cx="0" cy="0"/>
+          <a:chOff x="0" y="0"/>
+          <a:chExt cx="0" cy="0"/>
+        </a:xfrm>
+      </p:grpSpPr>
+      <p:sp>
+        <p:nvSpPr>
+          <p:cNvPr id="2" name="Title 1">
+            <a:extLst>
+              <a:ext uri="{FF2B5EF4-FFF2-40B4-BE49-F238E27FC236}">
+                <a16:creationId xmlns:a16="http://schemas.microsoft.com/office/drawing/2014/main" id="{E1B66BB1-BAB6-4DDB-B3C3-A2BDC8760C6A}"/>
+              </a:ext>
+            </a:extLst>
+          </p:cNvPr>
+          <p:cNvSpPr>
+            <a:spLocks noGrp="1"/>
+          </p:cNvSpPr>
+          <p:nvPr>
+            <p:ph type="title"/>
+          </p:nvPr>
+        </p:nvSpPr>
+        <p:spPr/>
+        <p:txBody>
+          <a:bodyPr/>
+          <a:lstStyle/>
+          <a:p>
+            <a:r>
+              <a:rPr lang="en-IE" dirty="0"/>
+              <a:t>Authentication Middleware</a:t>
+            </a:r>
+          </a:p>
+        </p:txBody>
+      </p:sp>
+      <p:pic>
+        <p:nvPicPr>
+          <p:cNvPr id="4" name="Content Placeholder 3">
+            <a:extLst>
+              <a:ext uri="{FF2B5EF4-FFF2-40B4-BE49-F238E27FC236}">
+                <a16:creationId xmlns:a16="http://schemas.microsoft.com/office/drawing/2014/main" id="{8B65D523-CD74-4C68-9358-28894F2E10BF}"/>
+              </a:ext>
+            </a:extLst>
+          </p:cNvPr>
+          <p:cNvPicPr>
+            <a:picLocks noGrp="1" noChangeAspect="1"/>
+          </p:cNvPicPr>
+          <p:nvPr>
+            <p:ph idx="1"/>
+          </p:nvPr>
+        </p:nvPicPr>
+        <p:blipFill>
+          <a:blip r:embed="rId2"/>
+          <a:stretch>
+            <a:fillRect/>
+          </a:stretch>
+        </p:blipFill>
+        <p:spPr>
+          <a:xfrm>
+            <a:off x="939539" y="1417638"/>
+            <a:ext cx="5366994" cy="2707918"/>
+          </a:xfrm>
+          <a:prstGeom prst="rect">
+            <a:avLst/>
+          </a:prstGeom>
+        </p:spPr>
+      </p:pic>
+      <p:sp>
+        <p:nvSpPr>
+          <p:cNvPr id="5" name="Callout: Line 4">
+            <a:extLst>
+              <a:ext uri="{FF2B5EF4-FFF2-40B4-BE49-F238E27FC236}">
+                <a16:creationId xmlns:a16="http://schemas.microsoft.com/office/drawing/2014/main" id="{713FFE3B-1D5D-455C-8E3C-AE540AE1DBEA}"/>
+              </a:ext>
+            </a:extLst>
+          </p:cNvPr>
+          <p:cNvSpPr/>
+          <p:nvPr/>
+        </p:nvSpPr>
+        <p:spPr>
+          <a:xfrm>
+            <a:off x="7732622" y="1417638"/>
+            <a:ext cx="2762054" cy="1781666"/>
+          </a:xfrm>
+          <a:prstGeom prst="borderCallout1">
+            <a:avLst>
+              <a:gd name="adj1" fmla="val 18750"/>
+              <a:gd name="adj2" fmla="val -8333"/>
+              <a:gd name="adj3" fmla="val 50679"/>
+              <a:gd name="adj4" fmla="val -60404"/>
+            </a:avLst>
+          </a:prstGeom>
+          <a:ln>
+            <a:solidFill>
+              <a:srgbClr val="FF0000"/>
+            </a:solidFill>
+          </a:ln>
+        </p:spPr>
+        <p:style>
+          <a:lnRef idx="2">
+            <a:schemeClr val="accent1">
+              <a:shade val="50000"/>
+            </a:schemeClr>
+          </a:lnRef>
+          <a:fillRef idx="1">
+            <a:schemeClr val="accent1"/>
+          </a:fillRef>
+          <a:effectRef idx="0">
+            <a:schemeClr val="accent1"/>
+          </a:effectRef>
+          <a:fontRef idx="minor">
+            <a:schemeClr val="lt1"/>
+          </a:fontRef>
+        </p:style>
+        <p:txBody>
+          <a:bodyPr rtlCol="0" anchor="ctr"/>
+          <a:lstStyle/>
+          <a:p>
+            <a:pPr algn="ctr"/>
+            <a:r>
+              <a:rPr lang="en-IE" dirty="0"/>
+              <a:t>Checks for user ID in session object. </a:t>
+            </a:r>
+            <a:br>
+              <a:rPr lang="en-IE" dirty="0"/>
+            </a:br>
+            <a:r>
+              <a:rPr lang="en-IE" dirty="0"/>
+              <a:t>If exists, called next middleware function, otherwise end </a:t>
+            </a:r>
+            <a:r>
+              <a:rPr lang="en-IE" dirty="0" err="1"/>
+              <a:t>req</a:t>
+            </a:r>
+            <a:r>
+              <a:rPr lang="en-IE" dirty="0"/>
+              <a:t>/res cycle with 401</a:t>
+            </a:r>
+          </a:p>
+        </p:txBody>
+      </p:sp>
+      <p:pic>
+        <p:nvPicPr>
+          <p:cNvPr id="6" name="Picture 5">
+            <a:extLst>
+              <a:ext uri="{FF2B5EF4-FFF2-40B4-BE49-F238E27FC236}">
+                <a16:creationId xmlns:a16="http://schemas.microsoft.com/office/drawing/2014/main" id="{5102E9F2-3DCB-486E-B7F5-56157CF48821}"/>
+              </a:ext>
+            </a:extLst>
+          </p:cNvPr>
+          <p:cNvPicPr>
+            <a:picLocks noChangeAspect="1"/>
+          </p:cNvPicPr>
+          <p:nvPr/>
+        </p:nvPicPr>
+        <p:blipFill>
+          <a:blip r:embed="rId3"/>
+          <a:stretch>
+            <a:fillRect/>
+          </a:stretch>
+        </p:blipFill>
+        <p:spPr>
+          <a:xfrm>
+            <a:off x="939539" y="4897437"/>
+            <a:ext cx="6657975" cy="542925"/>
+          </a:xfrm>
+          <a:prstGeom prst="rect">
+            <a:avLst/>
+          </a:prstGeom>
+        </p:spPr>
+      </p:pic>
+      <p:pic>
+        <p:nvPicPr>
+          <p:cNvPr id="7" name="Picture 6">
+            <a:extLst>
+              <a:ext uri="{FF2B5EF4-FFF2-40B4-BE49-F238E27FC236}">
+                <a16:creationId xmlns:a16="http://schemas.microsoft.com/office/drawing/2014/main" id="{9A8228FA-3072-431E-ABC6-7D77A26C26E3}"/>
+              </a:ext>
+            </a:extLst>
+          </p:cNvPr>
+          <p:cNvPicPr>
+            <a:picLocks noChangeAspect="1"/>
+          </p:cNvPicPr>
+          <p:nvPr/>
+        </p:nvPicPr>
+        <p:blipFill>
+          <a:blip r:embed="rId4"/>
+          <a:stretch>
+            <a:fillRect/>
+          </a:stretch>
+        </p:blipFill>
+        <p:spPr>
+          <a:xfrm>
+            <a:off x="939539" y="5558771"/>
+            <a:ext cx="7581900" cy="485775"/>
+          </a:xfrm>
+          <a:prstGeom prst="rect">
+            <a:avLst/>
+          </a:prstGeom>
+        </p:spPr>
+      </p:pic>
+      <p:sp>
+        <p:nvSpPr>
+          <p:cNvPr id="8" name="TextBox 7">
+            <a:extLst>
+              <a:ext uri="{FF2B5EF4-FFF2-40B4-BE49-F238E27FC236}">
+                <a16:creationId xmlns:a16="http://schemas.microsoft.com/office/drawing/2014/main" id="{8BDA3EC1-DBFC-46D5-8737-81CE69DBC9F4}"/>
+              </a:ext>
+            </a:extLst>
+          </p:cNvPr>
+          <p:cNvSpPr txBox="1"/>
+          <p:nvPr/>
+        </p:nvSpPr>
+        <p:spPr>
+          <a:xfrm>
+            <a:off x="1697324" y="1048306"/>
+            <a:ext cx="1577035" cy="369332"/>
+          </a:xfrm>
+          <a:prstGeom prst="rect">
+            <a:avLst/>
+          </a:prstGeom>
+          <a:noFill/>
+        </p:spPr>
+        <p:txBody>
+          <a:bodyPr wrap="none" rtlCol="0">
+            <a:spAutoFit/>
+          </a:bodyPr>
+          <a:lstStyle/>
+          <a:p>
+            <a:r>
+              <a:rPr lang="en-IE" dirty="0"/>
+              <a:t>authenticate.js</a:t>
+            </a:r>
+          </a:p>
+        </p:txBody>
+      </p:sp>
+      <p:sp>
+        <p:nvSpPr>
+          <p:cNvPr id="9" name="TextBox 8">
+            <a:extLst>
+              <a:ext uri="{FF2B5EF4-FFF2-40B4-BE49-F238E27FC236}">
+                <a16:creationId xmlns:a16="http://schemas.microsoft.com/office/drawing/2014/main" id="{6A64EA2D-7FB2-4424-81DE-A84FB093AE0D}"/>
+              </a:ext>
+            </a:extLst>
+          </p:cNvPr>
+          <p:cNvSpPr txBox="1"/>
+          <p:nvPr/>
+        </p:nvSpPr>
+        <p:spPr>
+          <a:xfrm>
+            <a:off x="1143142" y="4494888"/>
+            <a:ext cx="894540" cy="369332"/>
+          </a:xfrm>
+          <a:prstGeom prst="rect">
+            <a:avLst/>
+          </a:prstGeom>
+          <a:noFill/>
+        </p:spPr>
+        <p:txBody>
+          <a:bodyPr wrap="none" rtlCol="0">
+            <a:spAutoFit/>
+          </a:bodyPr>
+          <a:lstStyle/>
+          <a:p>
+            <a:r>
+              <a:rPr lang="en-IE" dirty="0"/>
+              <a:t>index.js</a:t>
+            </a:r>
+          </a:p>
+        </p:txBody>
+      </p:sp>
+      <p:sp>
+        <p:nvSpPr>
+          <p:cNvPr id="10" name="Rectangle 9">
+            <a:extLst>
+              <a:ext uri="{FF2B5EF4-FFF2-40B4-BE49-F238E27FC236}">
+                <a16:creationId xmlns:a16="http://schemas.microsoft.com/office/drawing/2014/main" id="{D52F84E0-840D-4347-A1F3-85B6B8B04FAB}"/>
+              </a:ext>
+            </a:extLst>
+          </p:cNvPr>
+          <p:cNvSpPr/>
+          <p:nvPr/>
+        </p:nvSpPr>
+        <p:spPr>
+          <a:xfrm>
+            <a:off x="4268526" y="5558771"/>
+            <a:ext cx="1972947" cy="426393"/>
+          </a:xfrm>
+          <a:prstGeom prst="rect">
+            <a:avLst/>
+          </a:prstGeom>
+          <a:noFill/>
+          <a:ln>
+            <a:solidFill>
+              <a:srgbClr val="FF0000"/>
+            </a:solidFill>
+          </a:ln>
+        </p:spPr>
+        <p:style>
+          <a:lnRef idx="2">
+            <a:schemeClr val="accent6"/>
+          </a:lnRef>
+          <a:fillRef idx="1">
+            <a:schemeClr val="lt1"/>
+          </a:fillRef>
+          <a:effectRef idx="0">
+            <a:schemeClr val="accent6"/>
+          </a:effectRef>
+          <a:fontRef idx="minor">
+            <a:schemeClr val="dk1"/>
+          </a:fontRef>
+        </p:style>
+        <p:txBody>
+          <a:bodyPr rtlCol="0" anchor="ctr"/>
+          <a:lstStyle/>
+          <a:p>
+            <a:pPr algn="ctr"/>
+            <a:endParaRPr lang="en-IE"/>
+          </a:p>
+        </p:txBody>
+      </p:sp>
+      <p:sp>
+        <p:nvSpPr>
+          <p:cNvPr id="11" name="Callout: Line 10">
+            <a:extLst>
+              <a:ext uri="{FF2B5EF4-FFF2-40B4-BE49-F238E27FC236}">
+                <a16:creationId xmlns:a16="http://schemas.microsoft.com/office/drawing/2014/main" id="{C252A6BF-6D7D-4BEF-A4E7-54D53CC84B55}"/>
+              </a:ext>
+            </a:extLst>
+          </p:cNvPr>
+          <p:cNvSpPr/>
+          <p:nvPr/>
+        </p:nvSpPr>
+        <p:spPr>
+          <a:xfrm>
+            <a:off x="8820346" y="4549529"/>
+            <a:ext cx="2762054" cy="1781666"/>
+          </a:xfrm>
+          <a:prstGeom prst="borderCallout1">
+            <a:avLst>
+              <a:gd name="adj1" fmla="val 18750"/>
+              <a:gd name="adj2" fmla="val -8333"/>
+              <a:gd name="adj3" fmla="val 58844"/>
+              <a:gd name="adj4" fmla="val -94262"/>
+            </a:avLst>
+          </a:prstGeom>
+          <a:ln>
+            <a:solidFill>
+              <a:srgbClr val="FF0000"/>
+            </a:solidFill>
+          </a:ln>
+        </p:spPr>
+        <p:style>
+          <a:lnRef idx="2">
+            <a:schemeClr val="accent1">
+              <a:shade val="50000"/>
+            </a:schemeClr>
+          </a:lnRef>
+          <a:fillRef idx="1">
+            <a:schemeClr val="accent1"/>
+          </a:fillRef>
+          <a:effectRef idx="0">
+            <a:schemeClr val="accent1"/>
+          </a:effectRef>
+          <a:fontRef idx="minor">
+            <a:schemeClr val="lt1"/>
+          </a:fontRef>
+        </p:style>
+        <p:txBody>
+          <a:bodyPr rtlCol="0" anchor="ctr"/>
+          <a:lstStyle/>
+          <a:p>
+            <a:pPr algn="ctr"/>
+            <a:r>
+              <a:rPr lang="en-IE" dirty="0"/>
+              <a:t>Authentication middleware applied  on /</a:t>
+            </a:r>
+            <a:r>
+              <a:rPr lang="en-IE" dirty="0" err="1"/>
+              <a:t>api</a:t>
+            </a:r>
+            <a:r>
+              <a:rPr lang="en-IE" dirty="0"/>
+              <a:t>/posts route.</a:t>
+            </a:r>
+          </a:p>
+        </p:txBody>
+      </p:sp>
+    </p:spTree>
+    <p:extLst>
+      <p:ext uri="{BB962C8B-B14F-4D97-AF65-F5344CB8AC3E}">
+        <p14:creationId xmlns:p14="http://schemas.microsoft.com/office/powerpoint/2010/main" val="4113954374"/>
+      </p:ext>
+    </p:extLst>
+  </p:cSld>
+  <p:clrMapOvr>
+    <a:masterClrMapping/>
+  </p:clrMapOvr>
+  <p:timing>
+    <p:tnLst>
+      <p:par>
+        <p:cTn id="1" dur="indefinite" restart="never" nodeType="tmRoot">
+          <p:childTnLst>
+            <p:seq concurrent="1" nextAc="seek">
+              <p:cTn id="2" dur="indefinite" nodeType="mainSeq">
+                <p:childTnLst>
+                  <p:par>
+                    <p:cTn id="3" fill="hold">
+                      <p:stCondLst>
+                        <p:cond delay="indefinite"/>
+                      </p:stCondLst>
+                      <p:childTnLst>
+                        <p:par>
+                          <p:cTn id="4" fill="hold">
+                            <p:stCondLst>
+                              <p:cond delay="0"/>
+                            </p:stCondLst>
+                            <p:childTnLst>
+                              <p:par>
+                                <p:cTn id="5" presetID="10" presetClass="entr" presetSubtype="0" fill="hold" grpId="0" nodeType="clickEffect">
+                                  <p:stCondLst>
+                                    <p:cond delay="0"/>
+                                  </p:stCondLst>
+                                  <p:childTnLst>
+                                    <p:set>
+                                      <p:cBhvr>
+                                        <p:cTn id="6" dur="1" fill="hold">
+                                          <p:stCondLst>
+                                            <p:cond delay="0"/>
+                                          </p:stCondLst>
+                                        </p:cTn>
+                                        <p:tgtEl>
+                                          <p:spTgt spid="5"/>
+                                        </p:tgtEl>
+                                        <p:attrNameLst>
+                                          <p:attrName>style.visibility</p:attrName>
+                                        </p:attrNameLst>
+                                      </p:cBhvr>
+                                      <p:to>
+                                        <p:strVal val="visible"/>
+                                      </p:to>
+                                    </p:set>
+                                    <p:animEffect transition="in" filter="fade">
+                                      <p:cBhvr>
+                                        <p:cTn id="7" dur="500"/>
+                                        <p:tgtEl>
+                                          <p:spTgt spid="5"/>
+                                        </p:tgtEl>
+                                      </p:cBhvr>
+                                    </p:animEffect>
+                                  </p:childTnLst>
+                                </p:cTn>
+                              </p:par>
+                            </p:childTnLst>
+                          </p:cTn>
+                        </p:par>
+                      </p:childTnLst>
+                    </p:cTn>
+                  </p:par>
+                  <p:par>
+                    <p:cTn id="8" fill="hold">
+                      <p:stCondLst>
+                        <p:cond delay="indefinite"/>
+                      </p:stCondLst>
+                      <p:childTnLst>
+                        <p:par>
+                          <p:cTn id="9" fill="hold">
+                            <p:stCondLst>
+                              <p:cond delay="0"/>
+                            </p:stCondLst>
+                            <p:childTnLst>
+                              <p:par>
+                                <p:cTn id="10" presetID="10" presetClass="entr" presetSubtype="0" fill="hold" grpId="0" nodeType="clickEffect">
+                                  <p:stCondLst>
+                                    <p:cond delay="0"/>
+                                  </p:stCondLst>
+                                  <p:childTnLst>
+                                    <p:set>
+                                      <p:cBhvr>
+                                        <p:cTn id="11" dur="1" fill="hold">
+                                          <p:stCondLst>
+                                            <p:cond delay="0"/>
+                                          </p:stCondLst>
+                                        </p:cTn>
+                                        <p:tgtEl>
+                                          <p:spTgt spid="10"/>
+                                        </p:tgtEl>
+                                        <p:attrNameLst>
+                                          <p:attrName>style.visibility</p:attrName>
+                                        </p:attrNameLst>
+                                      </p:cBhvr>
+                                      <p:to>
+                                        <p:strVal val="visible"/>
+                                      </p:to>
+                                    </p:set>
+                                    <p:animEffect transition="in" filter="fade">
+                                      <p:cBhvr>
+                                        <p:cTn id="12" dur="500"/>
+                                        <p:tgtEl>
+                                          <p:spTgt spid="10"/>
+                                        </p:tgtEl>
+                                      </p:cBhvr>
+                                    </p:animEffect>
+                                  </p:childTnLst>
+                                </p:cTn>
+                              </p:par>
+                              <p:par>
+                                <p:cTn id="13" presetID="10" presetClass="entr" presetSubtype="0" fill="hold" grpId="0" nodeType="withEffect">
+                                  <p:stCondLst>
+                                    <p:cond delay="0"/>
+                                  </p:stCondLst>
+                                  <p:childTnLst>
+                                    <p:set>
+                                      <p:cBhvr>
+                                        <p:cTn id="14" dur="1" fill="hold">
+                                          <p:stCondLst>
+                                            <p:cond delay="0"/>
+                                          </p:stCondLst>
+                                        </p:cTn>
+                                        <p:tgtEl>
+                                          <p:spTgt spid="11"/>
+                                        </p:tgtEl>
+                                        <p:attrNameLst>
+                                          <p:attrName>style.visibility</p:attrName>
+                                        </p:attrNameLst>
+                                      </p:cBhvr>
+                                      <p:to>
+                                        <p:strVal val="visible"/>
+                                      </p:to>
+                                    </p:set>
+                                    <p:animEffect transition="in" filter="fade">
+                                      <p:cBhvr>
+                                        <p:cTn id="15" dur="500"/>
+                                        <p:tgtEl>
+                                          <p:spTgt spid="11"/>
+                                        </p:tgtEl>
+                                      </p:cBhvr>
+                                    </p:animEffect>
+                                  </p:childTnLst>
+                                </p:cTn>
+                              </p:par>
+                            </p:childTnLst>
+                          </p:cTn>
+                        </p:par>
+                      </p:childTnLst>
+                    </p:cTn>
+                  </p:par>
+                </p:childTnLst>
+              </p:cTn>
+              <p:prevCondLst>
+                <p:cond evt="onPrev" delay="0">
+                  <p:tgtEl>
+                    <p:sldTgt/>
+                  </p:tgtEl>
+                </p:cond>
+              </p:prevCondLst>
+              <p:nextCondLst>
+                <p:cond evt="onNext" delay="0">
+                  <p:tgtEl>
+                    <p:sldTgt/>
+                  </p:tgtEl>
+                </p:cond>
+              </p:nextCondLst>
+            </p:seq>
+          </p:childTnLst>
+        </p:cTn>
+      </p:par>
+    </p:tnLst>
+    <p:bldLst>
+      <p:bldP spid="5" grpId="0" animBg="1"/>
+      <p:bldP spid="10" grpId="0" animBg="1"/>
+      <p:bldP spid="11" grpId="0" animBg="1"/>
     </p:bldLst>
   </p:timing>
 </p:sld>
@@ -17288,593 +18116,6 @@
           <a:chExt cx="0" cy="0"/>
         </a:xfrm>
       </p:grpSpPr>
-      <p:sp>
-        <p:nvSpPr>
-          <p:cNvPr id="2" name="Title 1">
-            <a:extLst>
-              <a:ext uri="{FF2B5EF4-FFF2-40B4-BE49-F238E27FC236}">
-                <a16:creationId xmlns:a16="http://schemas.microsoft.com/office/drawing/2014/main" id="{E1B66BB1-BAB6-4DDB-B3C3-A2BDC8760C6A}"/>
-              </a:ext>
-            </a:extLst>
-          </p:cNvPr>
-          <p:cNvSpPr>
-            <a:spLocks noGrp="1"/>
-          </p:cNvSpPr>
-          <p:nvPr>
-            <p:ph type="title"/>
-          </p:nvPr>
-        </p:nvSpPr>
-        <p:spPr/>
-        <p:txBody>
-          <a:bodyPr/>
-          <a:lstStyle/>
-          <a:p>
-            <a:r>
-              <a:rPr lang="en-IE" dirty="0"/>
-              <a:t>Authentication Middleware</a:t>
-            </a:r>
-          </a:p>
-        </p:txBody>
-      </p:sp>
-      <p:pic>
-        <p:nvPicPr>
-          <p:cNvPr id="4" name="Content Placeholder 3">
-            <a:extLst>
-              <a:ext uri="{FF2B5EF4-FFF2-40B4-BE49-F238E27FC236}">
-                <a16:creationId xmlns:a16="http://schemas.microsoft.com/office/drawing/2014/main" id="{8B65D523-CD74-4C68-9358-28894F2E10BF}"/>
-              </a:ext>
-            </a:extLst>
-          </p:cNvPr>
-          <p:cNvPicPr>
-            <a:picLocks noGrp="1" noChangeAspect="1"/>
-          </p:cNvPicPr>
-          <p:nvPr>
-            <p:ph idx="1"/>
-          </p:nvPr>
-        </p:nvPicPr>
-        <p:blipFill>
-          <a:blip r:embed="rId2"/>
-          <a:stretch>
-            <a:fillRect/>
-          </a:stretch>
-        </p:blipFill>
-        <p:spPr>
-          <a:xfrm>
-            <a:off x="939539" y="1417638"/>
-            <a:ext cx="5366994" cy="2707918"/>
-          </a:xfrm>
-          <a:prstGeom prst="rect">
-            <a:avLst/>
-          </a:prstGeom>
-        </p:spPr>
-      </p:pic>
-      <p:sp>
-        <p:nvSpPr>
-          <p:cNvPr id="5" name="Callout: Line 4">
-            <a:extLst>
-              <a:ext uri="{FF2B5EF4-FFF2-40B4-BE49-F238E27FC236}">
-                <a16:creationId xmlns:a16="http://schemas.microsoft.com/office/drawing/2014/main" id="{713FFE3B-1D5D-455C-8E3C-AE540AE1DBEA}"/>
-              </a:ext>
-            </a:extLst>
-          </p:cNvPr>
-          <p:cNvSpPr/>
-          <p:nvPr/>
-        </p:nvSpPr>
-        <p:spPr>
-          <a:xfrm>
-            <a:off x="7732622" y="1417638"/>
-            <a:ext cx="2762054" cy="1781666"/>
-          </a:xfrm>
-          <a:prstGeom prst="borderCallout1">
-            <a:avLst>
-              <a:gd name="adj1" fmla="val 18750"/>
-              <a:gd name="adj2" fmla="val -8333"/>
-              <a:gd name="adj3" fmla="val 50679"/>
-              <a:gd name="adj4" fmla="val -60404"/>
-            </a:avLst>
-          </a:prstGeom>
-          <a:ln>
-            <a:solidFill>
-              <a:srgbClr val="FF0000"/>
-            </a:solidFill>
-          </a:ln>
-        </p:spPr>
-        <p:style>
-          <a:lnRef idx="2">
-            <a:schemeClr val="accent1">
-              <a:shade val="50000"/>
-            </a:schemeClr>
-          </a:lnRef>
-          <a:fillRef idx="1">
-            <a:schemeClr val="accent1"/>
-          </a:fillRef>
-          <a:effectRef idx="0">
-            <a:schemeClr val="accent1"/>
-          </a:effectRef>
-          <a:fontRef idx="minor">
-            <a:schemeClr val="lt1"/>
-          </a:fontRef>
-        </p:style>
-        <p:txBody>
-          <a:bodyPr rtlCol="0" anchor="ctr"/>
-          <a:lstStyle/>
-          <a:p>
-            <a:pPr algn="ctr"/>
-            <a:r>
-              <a:rPr lang="en-IE" dirty="0"/>
-              <a:t>Checks for user ID in session object. </a:t>
-            </a:r>
-            <a:br>
-              <a:rPr lang="en-IE" dirty="0"/>
-            </a:br>
-            <a:r>
-              <a:rPr lang="en-IE" dirty="0"/>
-              <a:t>If exists, called next middleware function, otherwise end </a:t>
-            </a:r>
-            <a:r>
-              <a:rPr lang="en-IE" dirty="0" err="1"/>
-              <a:t>req</a:t>
-            </a:r>
-            <a:r>
-              <a:rPr lang="en-IE" dirty="0"/>
-              <a:t>/res cycle with 401</a:t>
-            </a:r>
-          </a:p>
-        </p:txBody>
-      </p:sp>
-      <p:pic>
-        <p:nvPicPr>
-          <p:cNvPr id="6" name="Picture 5">
-            <a:extLst>
-              <a:ext uri="{FF2B5EF4-FFF2-40B4-BE49-F238E27FC236}">
-                <a16:creationId xmlns:a16="http://schemas.microsoft.com/office/drawing/2014/main" id="{5102E9F2-3DCB-486E-B7F5-56157CF48821}"/>
-              </a:ext>
-            </a:extLst>
-          </p:cNvPr>
-          <p:cNvPicPr>
-            <a:picLocks noChangeAspect="1"/>
-          </p:cNvPicPr>
-          <p:nvPr/>
-        </p:nvPicPr>
-        <p:blipFill>
-          <a:blip r:embed="rId3"/>
-          <a:stretch>
-            <a:fillRect/>
-          </a:stretch>
-        </p:blipFill>
-        <p:spPr>
-          <a:xfrm>
-            <a:off x="939539" y="4897437"/>
-            <a:ext cx="6657975" cy="542925"/>
-          </a:xfrm>
-          <a:prstGeom prst="rect">
-            <a:avLst/>
-          </a:prstGeom>
-        </p:spPr>
-      </p:pic>
-      <p:pic>
-        <p:nvPicPr>
-          <p:cNvPr id="7" name="Picture 6">
-            <a:extLst>
-              <a:ext uri="{FF2B5EF4-FFF2-40B4-BE49-F238E27FC236}">
-                <a16:creationId xmlns:a16="http://schemas.microsoft.com/office/drawing/2014/main" id="{9A8228FA-3072-431E-ABC6-7D77A26C26E3}"/>
-              </a:ext>
-            </a:extLst>
-          </p:cNvPr>
-          <p:cNvPicPr>
-            <a:picLocks noChangeAspect="1"/>
-          </p:cNvPicPr>
-          <p:nvPr/>
-        </p:nvPicPr>
-        <p:blipFill>
-          <a:blip r:embed="rId4"/>
-          <a:stretch>
-            <a:fillRect/>
-          </a:stretch>
-        </p:blipFill>
-        <p:spPr>
-          <a:xfrm>
-            <a:off x="939539" y="5558771"/>
-            <a:ext cx="7581900" cy="485775"/>
-          </a:xfrm>
-          <a:prstGeom prst="rect">
-            <a:avLst/>
-          </a:prstGeom>
-        </p:spPr>
-      </p:pic>
-      <p:sp>
-        <p:nvSpPr>
-          <p:cNvPr id="8" name="TextBox 7">
-            <a:extLst>
-              <a:ext uri="{FF2B5EF4-FFF2-40B4-BE49-F238E27FC236}">
-                <a16:creationId xmlns:a16="http://schemas.microsoft.com/office/drawing/2014/main" id="{8BDA3EC1-DBFC-46D5-8737-81CE69DBC9F4}"/>
-              </a:ext>
-            </a:extLst>
-          </p:cNvPr>
-          <p:cNvSpPr txBox="1"/>
-          <p:nvPr/>
-        </p:nvSpPr>
-        <p:spPr>
-          <a:xfrm>
-            <a:off x="1697324" y="1048306"/>
-            <a:ext cx="1577035" cy="369332"/>
-          </a:xfrm>
-          <a:prstGeom prst="rect">
-            <a:avLst/>
-          </a:prstGeom>
-          <a:noFill/>
-        </p:spPr>
-        <p:txBody>
-          <a:bodyPr wrap="none" rtlCol="0">
-            <a:spAutoFit/>
-          </a:bodyPr>
-          <a:lstStyle/>
-          <a:p>
-            <a:r>
-              <a:rPr lang="en-IE" dirty="0"/>
-              <a:t>authenticate.js</a:t>
-            </a:r>
-          </a:p>
-        </p:txBody>
-      </p:sp>
-      <p:sp>
-        <p:nvSpPr>
-          <p:cNvPr id="9" name="TextBox 8">
-            <a:extLst>
-              <a:ext uri="{FF2B5EF4-FFF2-40B4-BE49-F238E27FC236}">
-                <a16:creationId xmlns:a16="http://schemas.microsoft.com/office/drawing/2014/main" id="{6A64EA2D-7FB2-4424-81DE-A84FB093AE0D}"/>
-              </a:ext>
-            </a:extLst>
-          </p:cNvPr>
-          <p:cNvSpPr txBox="1"/>
-          <p:nvPr/>
-        </p:nvSpPr>
-        <p:spPr>
-          <a:xfrm>
-            <a:off x="1143142" y="4494888"/>
-            <a:ext cx="894540" cy="369332"/>
-          </a:xfrm>
-          <a:prstGeom prst="rect">
-            <a:avLst/>
-          </a:prstGeom>
-          <a:noFill/>
-        </p:spPr>
-        <p:txBody>
-          <a:bodyPr wrap="none" rtlCol="0">
-            <a:spAutoFit/>
-          </a:bodyPr>
-          <a:lstStyle/>
-          <a:p>
-            <a:r>
-              <a:rPr lang="en-IE" dirty="0"/>
-              <a:t>index.js</a:t>
-            </a:r>
-          </a:p>
-        </p:txBody>
-      </p:sp>
-      <p:sp>
-        <p:nvSpPr>
-          <p:cNvPr id="10" name="Rectangle 9">
-            <a:extLst>
-              <a:ext uri="{FF2B5EF4-FFF2-40B4-BE49-F238E27FC236}">
-                <a16:creationId xmlns:a16="http://schemas.microsoft.com/office/drawing/2014/main" id="{D52F84E0-840D-4347-A1F3-85B6B8B04FAB}"/>
-              </a:ext>
-            </a:extLst>
-          </p:cNvPr>
-          <p:cNvSpPr/>
-          <p:nvPr/>
-        </p:nvSpPr>
-        <p:spPr>
-          <a:xfrm>
-            <a:off x="4268526" y="5558771"/>
-            <a:ext cx="1972947" cy="426393"/>
-          </a:xfrm>
-          <a:prstGeom prst="rect">
-            <a:avLst/>
-          </a:prstGeom>
-          <a:noFill/>
-          <a:ln>
-            <a:solidFill>
-              <a:srgbClr val="FF0000"/>
-            </a:solidFill>
-          </a:ln>
-        </p:spPr>
-        <p:style>
-          <a:lnRef idx="2">
-            <a:schemeClr val="accent6"/>
-          </a:lnRef>
-          <a:fillRef idx="1">
-            <a:schemeClr val="lt1"/>
-          </a:fillRef>
-          <a:effectRef idx="0">
-            <a:schemeClr val="accent6"/>
-          </a:effectRef>
-          <a:fontRef idx="minor">
-            <a:schemeClr val="dk1"/>
-          </a:fontRef>
-        </p:style>
-        <p:txBody>
-          <a:bodyPr rtlCol="0" anchor="ctr"/>
-          <a:lstStyle/>
-          <a:p>
-            <a:pPr algn="ctr"/>
-            <a:endParaRPr lang="en-IE"/>
-          </a:p>
-        </p:txBody>
-      </p:sp>
-      <p:sp>
-        <p:nvSpPr>
-          <p:cNvPr id="11" name="Callout: Line 10">
-            <a:extLst>
-              <a:ext uri="{FF2B5EF4-FFF2-40B4-BE49-F238E27FC236}">
-                <a16:creationId xmlns:a16="http://schemas.microsoft.com/office/drawing/2014/main" id="{C252A6BF-6D7D-4BEF-A4E7-54D53CC84B55}"/>
-              </a:ext>
-            </a:extLst>
-          </p:cNvPr>
-          <p:cNvSpPr/>
-          <p:nvPr/>
-        </p:nvSpPr>
-        <p:spPr>
-          <a:xfrm>
-            <a:off x="8820346" y="4549529"/>
-            <a:ext cx="2762054" cy="1781666"/>
-          </a:xfrm>
-          <a:prstGeom prst="borderCallout1">
-            <a:avLst>
-              <a:gd name="adj1" fmla="val 18750"/>
-              <a:gd name="adj2" fmla="val -8333"/>
-              <a:gd name="adj3" fmla="val 58844"/>
-              <a:gd name="adj4" fmla="val -94262"/>
-            </a:avLst>
-          </a:prstGeom>
-          <a:ln>
-            <a:solidFill>
-              <a:srgbClr val="FF0000"/>
-            </a:solidFill>
-          </a:ln>
-        </p:spPr>
-        <p:style>
-          <a:lnRef idx="2">
-            <a:schemeClr val="accent1">
-              <a:shade val="50000"/>
-            </a:schemeClr>
-          </a:lnRef>
-          <a:fillRef idx="1">
-            <a:schemeClr val="accent1"/>
-          </a:fillRef>
-          <a:effectRef idx="0">
-            <a:schemeClr val="accent1"/>
-          </a:effectRef>
-          <a:fontRef idx="minor">
-            <a:schemeClr val="lt1"/>
-          </a:fontRef>
-        </p:style>
-        <p:txBody>
-          <a:bodyPr rtlCol="0" anchor="ctr"/>
-          <a:lstStyle/>
-          <a:p>
-            <a:pPr algn="ctr"/>
-            <a:r>
-              <a:rPr lang="en-IE" dirty="0"/>
-              <a:t>Authentication middleware applied  on /</a:t>
-            </a:r>
-            <a:r>
-              <a:rPr lang="en-IE" dirty="0" err="1"/>
-              <a:t>api</a:t>
-            </a:r>
-            <a:r>
-              <a:rPr lang="en-IE" dirty="0"/>
-              <a:t>/posts route.</a:t>
-            </a:r>
-          </a:p>
-        </p:txBody>
-      </p:sp>
-    </p:spTree>
-    <p:extLst>
-      <p:ext uri="{BB962C8B-B14F-4D97-AF65-F5344CB8AC3E}">
-        <p14:creationId xmlns:p14="http://schemas.microsoft.com/office/powerpoint/2010/main" val="4113954374"/>
-      </p:ext>
-    </p:extLst>
-  </p:cSld>
-  <p:clrMapOvr>
-    <a:masterClrMapping/>
-  </p:clrMapOvr>
-  <p:timing>
-    <p:tnLst>
-      <p:par>
-        <p:cTn id="1" dur="indefinite" restart="never" nodeType="tmRoot">
-          <p:childTnLst>
-            <p:seq concurrent="1" nextAc="seek">
-              <p:cTn id="2" dur="indefinite" nodeType="mainSeq">
-                <p:childTnLst>
-                  <p:par>
-                    <p:cTn id="3" fill="hold">
-                      <p:stCondLst>
-                        <p:cond delay="indefinite"/>
-                      </p:stCondLst>
-                      <p:childTnLst>
-                        <p:par>
-                          <p:cTn id="4" fill="hold">
-                            <p:stCondLst>
-                              <p:cond delay="0"/>
-                            </p:stCondLst>
-                            <p:childTnLst>
-                              <p:par>
-                                <p:cTn id="5" presetID="10" presetClass="entr" presetSubtype="0" fill="hold" grpId="0" nodeType="clickEffect">
-                                  <p:stCondLst>
-                                    <p:cond delay="0"/>
-                                  </p:stCondLst>
-                                  <p:childTnLst>
-                                    <p:set>
-                                      <p:cBhvr>
-                                        <p:cTn id="6" dur="1" fill="hold">
-                                          <p:stCondLst>
-                                            <p:cond delay="0"/>
-                                          </p:stCondLst>
-                                        </p:cTn>
-                                        <p:tgtEl>
-                                          <p:spTgt spid="5"/>
-                                        </p:tgtEl>
-                                        <p:attrNameLst>
-                                          <p:attrName>style.visibility</p:attrName>
-                                        </p:attrNameLst>
-                                      </p:cBhvr>
-                                      <p:to>
-                                        <p:strVal val="visible"/>
-                                      </p:to>
-                                    </p:set>
-                                    <p:animEffect transition="in" filter="fade">
-                                      <p:cBhvr>
-                                        <p:cTn id="7" dur="500"/>
-                                        <p:tgtEl>
-                                          <p:spTgt spid="5"/>
-                                        </p:tgtEl>
-                                      </p:cBhvr>
-                                    </p:animEffect>
-                                  </p:childTnLst>
-                                </p:cTn>
-                              </p:par>
-                            </p:childTnLst>
-                          </p:cTn>
-                        </p:par>
-                      </p:childTnLst>
-                    </p:cTn>
-                  </p:par>
-                  <p:par>
-                    <p:cTn id="8" fill="hold">
-                      <p:stCondLst>
-                        <p:cond delay="indefinite"/>
-                      </p:stCondLst>
-                      <p:childTnLst>
-                        <p:par>
-                          <p:cTn id="9" fill="hold">
-                            <p:stCondLst>
-                              <p:cond delay="0"/>
-                            </p:stCondLst>
-                            <p:childTnLst>
-                              <p:par>
-                                <p:cTn id="10" presetID="10" presetClass="entr" presetSubtype="0" fill="hold" grpId="0" nodeType="clickEffect">
-                                  <p:stCondLst>
-                                    <p:cond delay="0"/>
-                                  </p:stCondLst>
-                                  <p:childTnLst>
-                                    <p:set>
-                                      <p:cBhvr>
-                                        <p:cTn id="11" dur="1" fill="hold">
-                                          <p:stCondLst>
-                                            <p:cond delay="0"/>
-                                          </p:stCondLst>
-                                        </p:cTn>
-                                        <p:tgtEl>
-                                          <p:spTgt spid="10"/>
-                                        </p:tgtEl>
-                                        <p:attrNameLst>
-                                          <p:attrName>style.visibility</p:attrName>
-                                        </p:attrNameLst>
-                                      </p:cBhvr>
-                                      <p:to>
-                                        <p:strVal val="visible"/>
-                                      </p:to>
-                                    </p:set>
-                                    <p:animEffect transition="in" filter="fade">
-                                      <p:cBhvr>
-                                        <p:cTn id="12" dur="500"/>
-                                        <p:tgtEl>
-                                          <p:spTgt spid="10"/>
-                                        </p:tgtEl>
-                                      </p:cBhvr>
-                                    </p:animEffect>
-                                  </p:childTnLst>
-                                </p:cTn>
-                              </p:par>
-                              <p:par>
-                                <p:cTn id="13" presetID="10" presetClass="entr" presetSubtype="0" fill="hold" grpId="0" nodeType="withEffect">
-                                  <p:stCondLst>
-                                    <p:cond delay="0"/>
-                                  </p:stCondLst>
-                                  <p:childTnLst>
-                                    <p:set>
-                                      <p:cBhvr>
-                                        <p:cTn id="14" dur="1" fill="hold">
-                                          <p:stCondLst>
-                                            <p:cond delay="0"/>
-                                          </p:stCondLst>
-                                        </p:cTn>
-                                        <p:tgtEl>
-                                          <p:spTgt spid="11"/>
-                                        </p:tgtEl>
-                                        <p:attrNameLst>
-                                          <p:attrName>style.visibility</p:attrName>
-                                        </p:attrNameLst>
-                                      </p:cBhvr>
-                                      <p:to>
-                                        <p:strVal val="visible"/>
-                                      </p:to>
-                                    </p:set>
-                                    <p:animEffect transition="in" filter="fade">
-                                      <p:cBhvr>
-                                        <p:cTn id="15" dur="500"/>
-                                        <p:tgtEl>
-                                          <p:spTgt spid="11"/>
-                                        </p:tgtEl>
-                                      </p:cBhvr>
-                                    </p:animEffect>
-                                  </p:childTnLst>
-                                </p:cTn>
-                              </p:par>
-                            </p:childTnLst>
-                          </p:cTn>
-                        </p:par>
-                      </p:childTnLst>
-                    </p:cTn>
-                  </p:par>
-                </p:childTnLst>
-              </p:cTn>
-              <p:prevCondLst>
-                <p:cond evt="onPrev" delay="0">
-                  <p:tgtEl>
-                    <p:sldTgt/>
-                  </p:tgtEl>
-                </p:cond>
-              </p:prevCondLst>
-              <p:nextCondLst>
-                <p:cond evt="onNext" delay="0">
-                  <p:tgtEl>
-                    <p:sldTgt/>
-                  </p:tgtEl>
-                </p:cond>
-              </p:nextCondLst>
-            </p:seq>
-          </p:childTnLst>
-        </p:cTn>
-      </p:par>
-    </p:tnLst>
-    <p:bldLst>
-      <p:bldP spid="5" grpId="0" animBg="1"/>
-      <p:bldP spid="10" grpId="0" animBg="1"/>
-      <p:bldP spid="11" grpId="0" animBg="1"/>
-    </p:bldLst>
-  </p:timing>
-</p:sld>
-</file>
-
-<file path=ppt/slides/slide41.xml><?xml version="1.0" encoding="utf-8"?>
-<p:sld xmlns:a="http://schemas.openxmlformats.org/drawingml/2006/main" xmlns:r="http://schemas.openxmlformats.org/officeDocument/2006/relationships" xmlns:p="http://schemas.openxmlformats.org/presentationml/2006/main">
-  <p:cSld>
-    <p:spTree>
-      <p:nvGrpSpPr>
-        <p:cNvPr id="1" name=""/>
-        <p:cNvGrpSpPr/>
-        <p:nvPr/>
-      </p:nvGrpSpPr>
-      <p:grpSpPr>
-        <a:xfrm>
-          <a:off x="0" y="0"/>
-          <a:ext cx="0" cy="0"/>
-          <a:chOff x="0" y="0"/>
-          <a:chExt cx="0" cy="0"/>
-        </a:xfrm>
-      </p:grpSpPr>
       <p:pic>
         <p:nvPicPr>
           <p:cNvPr id="10" name="Picture 9">
@@ -18195,7 +18436,7 @@
 </p:sld>
 </file>
 
-<file path=ppt/slides/slide42.xml><?xml version="1.0" encoding="utf-8"?>
+<file path=ppt/slides/slide41.xml><?xml version="1.0" encoding="utf-8"?>
 <p:sld xmlns:a="http://schemas.openxmlformats.org/drawingml/2006/main" xmlns:r="http://schemas.openxmlformats.org/officeDocument/2006/relationships" xmlns:p="http://schemas.openxmlformats.org/presentationml/2006/main">
   <p:cSld>
     <p:spTree>
@@ -18486,7 +18727,7 @@
 </p:sld>
 </file>
 
-<file path=ppt/slides/slide43.xml><?xml version="1.0" encoding="utf-8"?>
+<file path=ppt/slides/slide42.xml><?xml version="1.0" encoding="utf-8"?>
 <p:sld xmlns:a="http://schemas.openxmlformats.org/drawingml/2006/main" xmlns:r="http://schemas.openxmlformats.org/officeDocument/2006/relationships" xmlns:p="http://schemas.openxmlformats.org/presentationml/2006/main">
   <p:cSld>
     <p:spTree>
@@ -18569,7 +18810,7 @@
 </p:sld>
 </file>
 
-<file path=ppt/slides/slide44.xml><?xml version="1.0" encoding="utf-8"?>
+<file path=ppt/slides/slide43.xml><?xml version="1.0" encoding="utf-8"?>
 <p:sld xmlns:a="http://schemas.openxmlformats.org/drawingml/2006/main" xmlns:r="http://schemas.openxmlformats.org/officeDocument/2006/relationships" xmlns:p="http://schemas.openxmlformats.org/presentationml/2006/main">
   <p:cSld>
     <p:bg>
